--- a/AI関係.pptx
+++ b/AI関係.pptx
@@ -8,14 +8,15 @@
     <p:sldId id="256" r:id="rId2"/>
     <p:sldId id="258" r:id="rId3"/>
     <p:sldId id="257" r:id="rId4"/>
-    <p:sldId id="259" r:id="rId5"/>
-    <p:sldId id="260" r:id="rId6"/>
-    <p:sldId id="264" r:id="rId7"/>
-    <p:sldId id="265" r:id="rId8"/>
-    <p:sldId id="266" r:id="rId9"/>
-    <p:sldId id="261" r:id="rId10"/>
-    <p:sldId id="262" r:id="rId11"/>
-    <p:sldId id="263" r:id="rId12"/>
+    <p:sldId id="267" r:id="rId5"/>
+    <p:sldId id="259" r:id="rId6"/>
+    <p:sldId id="260" r:id="rId7"/>
+    <p:sldId id="264" r:id="rId8"/>
+    <p:sldId id="265" r:id="rId9"/>
+    <p:sldId id="266" r:id="rId10"/>
+    <p:sldId id="261" r:id="rId11"/>
+    <p:sldId id="262" r:id="rId12"/>
+    <p:sldId id="263" r:id="rId13"/>
   </p:sldIdLst>
   <p:sldSz cx="12192000" cy="6858000"/>
   <p:notesSz cx="6858000" cy="9144000"/>
@@ -116,7 +117,7 @@
   </p:defaultTextStyle>
   <p:extLst>
     <p:ext uri="{EFAFB233-063F-42B5-8137-9DF3F51BA10A}">
-      <p15:sldGuideLst xmlns="" xmlns:p15="http://schemas.microsoft.com/office/powerpoint/2012/main">
+      <p15:sldGuideLst xmlns:p15="http://schemas.microsoft.com/office/powerpoint/2012/main">
         <p15:guide id="1" orient="horz" pos="2160">
           <p15:clr>
             <a:srgbClr val="A4A3A4"/>
@@ -265,7 +266,7 @@
             <a:fld id="{F428E868-FBD1-4E71-AE2D-A513CD3110F4}" type="datetimeFigureOut">
               <a:rPr kumimoji="1" lang="ja-JP" altLang="en-US" smtClean="0"/>
               <a:pPr/>
-              <a:t>2014/3/22</a:t>
+              <a:t>2017/1/21</a:t>
             </a:fld>
             <a:endParaRPr kumimoji="1" lang="ja-JP" altLang="en-US"/>
           </a:p>
@@ -308,7 +309,7 @@
             <a:fld id="{667EF3D3-0B22-43DE-BBC6-A06403B47A4E}" type="slidenum">
               <a:rPr kumimoji="1" lang="ja-JP" altLang="en-US" smtClean="0"/>
               <a:pPr/>
-              <a:t>&lt;#&gt;</a:t>
+              <a:t>‹#›</a:t>
             </a:fld>
             <a:endParaRPr kumimoji="1" lang="ja-JP" altLang="en-US"/>
           </a:p>
@@ -317,7 +318,7 @@
     </p:spTree>
     <p:extLst>
       <p:ext uri="{BB962C8B-B14F-4D97-AF65-F5344CB8AC3E}">
-        <p14:creationId xmlns="" xmlns:p14="http://schemas.microsoft.com/office/powerpoint/2010/main" val="2177928232"/>
+        <p14:creationId xmlns:p14="http://schemas.microsoft.com/office/powerpoint/2010/main" val="2177928232"/>
       </p:ext>
     </p:extLst>
   </p:cSld>
@@ -469,7 +470,7 @@
             <a:fld id="{F428E868-FBD1-4E71-AE2D-A513CD3110F4}" type="datetimeFigureOut">
               <a:rPr kumimoji="1" lang="ja-JP" altLang="en-US" smtClean="0"/>
               <a:pPr/>
-              <a:t>2014/3/22</a:t>
+              <a:t>2017/1/21</a:t>
             </a:fld>
             <a:endParaRPr kumimoji="1" lang="ja-JP" altLang="en-US"/>
           </a:p>
@@ -512,7 +513,7 @@
             <a:fld id="{667EF3D3-0B22-43DE-BBC6-A06403B47A4E}" type="slidenum">
               <a:rPr kumimoji="1" lang="ja-JP" altLang="en-US" smtClean="0"/>
               <a:pPr/>
-              <a:t>&lt;#&gt;</a:t>
+              <a:t>‹#›</a:t>
             </a:fld>
             <a:endParaRPr kumimoji="1" lang="ja-JP" altLang="en-US"/>
           </a:p>
@@ -521,7 +522,7 @@
     </p:spTree>
     <p:extLst>
       <p:ext uri="{BB962C8B-B14F-4D97-AF65-F5344CB8AC3E}">
-        <p14:creationId xmlns="" xmlns:p14="http://schemas.microsoft.com/office/powerpoint/2010/main" val="4149495471"/>
+        <p14:creationId xmlns:p14="http://schemas.microsoft.com/office/powerpoint/2010/main" val="4149495471"/>
       </p:ext>
     </p:extLst>
   </p:cSld>
@@ -683,7 +684,7 @@
             <a:fld id="{F428E868-FBD1-4E71-AE2D-A513CD3110F4}" type="datetimeFigureOut">
               <a:rPr kumimoji="1" lang="ja-JP" altLang="en-US" smtClean="0"/>
               <a:pPr/>
-              <a:t>2014/3/22</a:t>
+              <a:t>2017/1/21</a:t>
             </a:fld>
             <a:endParaRPr kumimoji="1" lang="ja-JP" altLang="en-US"/>
           </a:p>
@@ -726,7 +727,7 @@
             <a:fld id="{667EF3D3-0B22-43DE-BBC6-A06403B47A4E}" type="slidenum">
               <a:rPr kumimoji="1" lang="ja-JP" altLang="en-US" smtClean="0"/>
               <a:pPr/>
-              <a:t>&lt;#&gt;</a:t>
+              <a:t>‹#›</a:t>
             </a:fld>
             <a:endParaRPr kumimoji="1" lang="ja-JP" altLang="en-US"/>
           </a:p>
@@ -735,7 +736,7 @@
     </p:spTree>
     <p:extLst>
       <p:ext uri="{BB962C8B-B14F-4D97-AF65-F5344CB8AC3E}">
-        <p14:creationId xmlns="" xmlns:p14="http://schemas.microsoft.com/office/powerpoint/2010/main" val="3639832755"/>
+        <p14:creationId xmlns:p14="http://schemas.microsoft.com/office/powerpoint/2010/main" val="3639832755"/>
       </p:ext>
     </p:extLst>
   </p:cSld>
@@ -887,7 +888,7 @@
             <a:fld id="{F428E868-FBD1-4E71-AE2D-A513CD3110F4}" type="datetimeFigureOut">
               <a:rPr kumimoji="1" lang="ja-JP" altLang="en-US" smtClean="0"/>
               <a:pPr/>
-              <a:t>2014/3/22</a:t>
+              <a:t>2017/1/21</a:t>
             </a:fld>
             <a:endParaRPr kumimoji="1" lang="ja-JP" altLang="en-US"/>
           </a:p>
@@ -930,7 +931,7 @@
             <a:fld id="{667EF3D3-0B22-43DE-BBC6-A06403B47A4E}" type="slidenum">
               <a:rPr kumimoji="1" lang="ja-JP" altLang="en-US" smtClean="0"/>
               <a:pPr/>
-              <a:t>&lt;#&gt;</a:t>
+              <a:t>‹#›</a:t>
             </a:fld>
             <a:endParaRPr kumimoji="1" lang="ja-JP" altLang="en-US"/>
           </a:p>
@@ -939,7 +940,7 @@
     </p:spTree>
     <p:extLst>
       <p:ext uri="{BB962C8B-B14F-4D97-AF65-F5344CB8AC3E}">
-        <p14:creationId xmlns="" xmlns:p14="http://schemas.microsoft.com/office/powerpoint/2010/main" val="1546683161"/>
+        <p14:creationId xmlns:p14="http://schemas.microsoft.com/office/powerpoint/2010/main" val="1546683161"/>
       </p:ext>
     </p:extLst>
   </p:cSld>
@@ -1135,7 +1136,7 @@
             <a:fld id="{F428E868-FBD1-4E71-AE2D-A513CD3110F4}" type="datetimeFigureOut">
               <a:rPr kumimoji="1" lang="ja-JP" altLang="en-US" smtClean="0"/>
               <a:pPr/>
-              <a:t>2014/3/22</a:t>
+              <a:t>2017/1/21</a:t>
             </a:fld>
             <a:endParaRPr kumimoji="1" lang="ja-JP" altLang="en-US"/>
           </a:p>
@@ -1178,7 +1179,7 @@
             <a:fld id="{667EF3D3-0B22-43DE-BBC6-A06403B47A4E}" type="slidenum">
               <a:rPr kumimoji="1" lang="ja-JP" altLang="en-US" smtClean="0"/>
               <a:pPr/>
-              <a:t>&lt;#&gt;</a:t>
+              <a:t>‹#›</a:t>
             </a:fld>
             <a:endParaRPr kumimoji="1" lang="ja-JP" altLang="en-US"/>
           </a:p>
@@ -1187,7 +1188,7 @@
     </p:spTree>
     <p:extLst>
       <p:ext uri="{BB962C8B-B14F-4D97-AF65-F5344CB8AC3E}">
-        <p14:creationId xmlns="" xmlns:p14="http://schemas.microsoft.com/office/powerpoint/2010/main" val="1582977401"/>
+        <p14:creationId xmlns:p14="http://schemas.microsoft.com/office/powerpoint/2010/main" val="1582977401"/>
       </p:ext>
     </p:extLst>
   </p:cSld>
@@ -1433,7 +1434,7 @@
             <a:fld id="{F428E868-FBD1-4E71-AE2D-A513CD3110F4}" type="datetimeFigureOut">
               <a:rPr kumimoji="1" lang="ja-JP" altLang="en-US" smtClean="0"/>
               <a:pPr/>
-              <a:t>2014/3/22</a:t>
+              <a:t>2017/1/21</a:t>
             </a:fld>
             <a:endParaRPr kumimoji="1" lang="ja-JP" altLang="en-US"/>
           </a:p>
@@ -1476,7 +1477,7 @@
             <a:fld id="{667EF3D3-0B22-43DE-BBC6-A06403B47A4E}" type="slidenum">
               <a:rPr kumimoji="1" lang="ja-JP" altLang="en-US" smtClean="0"/>
               <a:pPr/>
-              <a:t>&lt;#&gt;</a:t>
+              <a:t>‹#›</a:t>
             </a:fld>
             <a:endParaRPr kumimoji="1" lang="ja-JP" altLang="en-US"/>
           </a:p>
@@ -1485,7 +1486,7 @@
     </p:spTree>
     <p:extLst>
       <p:ext uri="{BB962C8B-B14F-4D97-AF65-F5344CB8AC3E}">
-        <p14:creationId xmlns="" xmlns:p14="http://schemas.microsoft.com/office/powerpoint/2010/main" val="3766802592"/>
+        <p14:creationId xmlns:p14="http://schemas.microsoft.com/office/powerpoint/2010/main" val="3766802592"/>
       </p:ext>
     </p:extLst>
   </p:cSld>
@@ -1866,7 +1867,7 @@
             <a:fld id="{F428E868-FBD1-4E71-AE2D-A513CD3110F4}" type="datetimeFigureOut">
               <a:rPr kumimoji="1" lang="ja-JP" altLang="en-US" smtClean="0"/>
               <a:pPr/>
-              <a:t>2014/3/22</a:t>
+              <a:t>2017/1/21</a:t>
             </a:fld>
             <a:endParaRPr kumimoji="1" lang="ja-JP" altLang="en-US"/>
           </a:p>
@@ -1909,7 +1910,7 @@
             <a:fld id="{667EF3D3-0B22-43DE-BBC6-A06403B47A4E}" type="slidenum">
               <a:rPr kumimoji="1" lang="ja-JP" altLang="en-US" smtClean="0"/>
               <a:pPr/>
-              <a:t>&lt;#&gt;</a:t>
+              <a:t>‹#›</a:t>
             </a:fld>
             <a:endParaRPr kumimoji="1" lang="ja-JP" altLang="en-US"/>
           </a:p>
@@ -1918,7 +1919,7 @@
     </p:spTree>
     <p:extLst>
       <p:ext uri="{BB962C8B-B14F-4D97-AF65-F5344CB8AC3E}">
-        <p14:creationId xmlns="" xmlns:p14="http://schemas.microsoft.com/office/powerpoint/2010/main" val="953840896"/>
+        <p14:creationId xmlns:p14="http://schemas.microsoft.com/office/powerpoint/2010/main" val="953840896"/>
       </p:ext>
     </p:extLst>
   </p:cSld>
@@ -1986,7 +1987,7 @@
             <a:fld id="{F428E868-FBD1-4E71-AE2D-A513CD3110F4}" type="datetimeFigureOut">
               <a:rPr kumimoji="1" lang="ja-JP" altLang="en-US" smtClean="0"/>
               <a:pPr/>
-              <a:t>2014/3/22</a:t>
+              <a:t>2017/1/21</a:t>
             </a:fld>
             <a:endParaRPr kumimoji="1" lang="ja-JP" altLang="en-US"/>
           </a:p>
@@ -2029,7 +2030,7 @@
             <a:fld id="{667EF3D3-0B22-43DE-BBC6-A06403B47A4E}" type="slidenum">
               <a:rPr kumimoji="1" lang="ja-JP" altLang="en-US" smtClean="0"/>
               <a:pPr/>
-              <a:t>&lt;#&gt;</a:t>
+              <a:t>‹#›</a:t>
             </a:fld>
             <a:endParaRPr kumimoji="1" lang="ja-JP" altLang="en-US"/>
           </a:p>
@@ -2038,7 +2039,7 @@
     </p:spTree>
     <p:extLst>
       <p:ext uri="{BB962C8B-B14F-4D97-AF65-F5344CB8AC3E}">
-        <p14:creationId xmlns="" xmlns:p14="http://schemas.microsoft.com/office/powerpoint/2010/main" val="2968373876"/>
+        <p14:creationId xmlns:p14="http://schemas.microsoft.com/office/powerpoint/2010/main" val="2968373876"/>
       </p:ext>
     </p:extLst>
   </p:cSld>
@@ -2083,7 +2084,7 @@
             <a:fld id="{F428E868-FBD1-4E71-AE2D-A513CD3110F4}" type="datetimeFigureOut">
               <a:rPr kumimoji="1" lang="ja-JP" altLang="en-US" smtClean="0"/>
               <a:pPr/>
-              <a:t>2014/3/22</a:t>
+              <a:t>2017/1/21</a:t>
             </a:fld>
             <a:endParaRPr kumimoji="1" lang="ja-JP" altLang="en-US"/>
           </a:p>
@@ -2126,7 +2127,7 @@
             <a:fld id="{667EF3D3-0B22-43DE-BBC6-A06403B47A4E}" type="slidenum">
               <a:rPr kumimoji="1" lang="ja-JP" altLang="en-US" smtClean="0"/>
               <a:pPr/>
-              <a:t>&lt;#&gt;</a:t>
+              <a:t>‹#›</a:t>
             </a:fld>
             <a:endParaRPr kumimoji="1" lang="ja-JP" altLang="en-US"/>
           </a:p>
@@ -2135,7 +2136,7 @@
     </p:spTree>
     <p:extLst>
       <p:ext uri="{BB962C8B-B14F-4D97-AF65-F5344CB8AC3E}">
-        <p14:creationId xmlns="" xmlns:p14="http://schemas.microsoft.com/office/powerpoint/2010/main" val="4050989417"/>
+        <p14:creationId xmlns:p14="http://schemas.microsoft.com/office/powerpoint/2010/main" val="4050989417"/>
       </p:ext>
     </p:extLst>
   </p:cSld>
@@ -2394,7 +2395,7 @@
             <a:fld id="{F428E868-FBD1-4E71-AE2D-A513CD3110F4}" type="datetimeFigureOut">
               <a:rPr kumimoji="1" lang="ja-JP" altLang="en-US" smtClean="0"/>
               <a:pPr/>
-              <a:t>2014/3/22</a:t>
+              <a:t>2017/1/21</a:t>
             </a:fld>
             <a:endParaRPr kumimoji="1" lang="ja-JP" altLang="en-US"/>
           </a:p>
@@ -2437,7 +2438,7 @@
             <a:fld id="{667EF3D3-0B22-43DE-BBC6-A06403B47A4E}" type="slidenum">
               <a:rPr kumimoji="1" lang="ja-JP" altLang="en-US" smtClean="0"/>
               <a:pPr/>
-              <a:t>&lt;#&gt;</a:t>
+              <a:t>‹#›</a:t>
             </a:fld>
             <a:endParaRPr kumimoji="1" lang="ja-JP" altLang="en-US"/>
           </a:p>
@@ -2446,7 +2447,7 @@
     </p:spTree>
     <p:extLst>
       <p:ext uri="{BB962C8B-B14F-4D97-AF65-F5344CB8AC3E}">
-        <p14:creationId xmlns="" xmlns:p14="http://schemas.microsoft.com/office/powerpoint/2010/main" val="4081298395"/>
+        <p14:creationId xmlns:p14="http://schemas.microsoft.com/office/powerpoint/2010/main" val="4081298395"/>
       </p:ext>
     </p:extLst>
   </p:cSld>
@@ -2649,7 +2650,7 @@
             <a:fld id="{F428E868-FBD1-4E71-AE2D-A513CD3110F4}" type="datetimeFigureOut">
               <a:rPr kumimoji="1" lang="ja-JP" altLang="en-US" smtClean="0"/>
               <a:pPr/>
-              <a:t>2014/3/22</a:t>
+              <a:t>2017/1/21</a:t>
             </a:fld>
             <a:endParaRPr kumimoji="1" lang="ja-JP" altLang="en-US"/>
           </a:p>
@@ -2692,7 +2693,7 @@
             <a:fld id="{667EF3D3-0B22-43DE-BBC6-A06403B47A4E}" type="slidenum">
               <a:rPr kumimoji="1" lang="ja-JP" altLang="en-US" smtClean="0"/>
               <a:pPr/>
-              <a:t>&lt;#&gt;</a:t>
+              <a:t>‹#›</a:t>
             </a:fld>
             <a:endParaRPr kumimoji="1" lang="ja-JP" altLang="en-US"/>
           </a:p>
@@ -2701,7 +2702,7 @@
     </p:spTree>
     <p:extLst>
       <p:ext uri="{BB962C8B-B14F-4D97-AF65-F5344CB8AC3E}">
-        <p14:creationId xmlns="" xmlns:p14="http://schemas.microsoft.com/office/powerpoint/2010/main" val="2417148569"/>
+        <p14:creationId xmlns:p14="http://schemas.microsoft.com/office/powerpoint/2010/main" val="2417148569"/>
       </p:ext>
     </p:extLst>
   </p:cSld>
@@ -2896,7 +2897,7 @@
             <a:fld id="{F428E868-FBD1-4E71-AE2D-A513CD3110F4}" type="datetimeFigureOut">
               <a:rPr kumimoji="1" lang="ja-JP" altLang="en-US" smtClean="0"/>
               <a:pPr/>
-              <a:t>2014/3/22</a:t>
+              <a:t>2017/1/21</a:t>
             </a:fld>
             <a:endParaRPr kumimoji="1" lang="ja-JP" altLang="en-US"/>
           </a:p>
@@ -2975,7 +2976,7 @@
             <a:fld id="{667EF3D3-0B22-43DE-BBC6-A06403B47A4E}" type="slidenum">
               <a:rPr kumimoji="1" lang="ja-JP" altLang="en-US" smtClean="0"/>
               <a:pPr/>
-              <a:t>&lt;#&gt;</a:t>
+              <a:t>‹#›</a:t>
             </a:fld>
             <a:endParaRPr kumimoji="1" lang="ja-JP" altLang="en-US"/>
           </a:p>
@@ -2984,7 +2985,7 @@
     </p:spTree>
     <p:extLst>
       <p:ext uri="{BB962C8B-B14F-4D97-AF65-F5344CB8AC3E}">
-        <p14:creationId xmlns="" xmlns:p14="http://schemas.microsoft.com/office/powerpoint/2010/main" val="3538440742"/>
+        <p14:creationId xmlns:p14="http://schemas.microsoft.com/office/powerpoint/2010/main" val="3538440742"/>
       </p:ext>
     </p:extLst>
   </p:cSld>
@@ -3362,7 +3363,7 @@
     </p:spTree>
     <p:extLst>
       <p:ext uri="{BB962C8B-B14F-4D97-AF65-F5344CB8AC3E}">
-        <p14:creationId xmlns="" xmlns:p14="http://schemas.microsoft.com/office/powerpoint/2010/main" val="476815330"/>
+        <p14:creationId xmlns:p14="http://schemas.microsoft.com/office/powerpoint/2010/main" val="476815330"/>
       </p:ext>
     </p:extLst>
   </p:cSld>
@@ -3406,7 +3407,7 @@
           <a:p>
             <a:r>
               <a:rPr kumimoji="1" lang="ja-JP" altLang="en-US" dirty="0" smtClean="0"/>
-              <a:t>突撃時１（味方のみ）</a:t>
+              <a:t>分散時１（味方のみ）</a:t>
             </a:r>
             <a:endParaRPr kumimoji="1" lang="ja-JP" altLang="en-US" dirty="0"/>
           </a:p>
@@ -3473,6 +3474,73 @@
           <a:p>
             <a:r>
               <a:rPr kumimoji="1" lang="ja-JP" altLang="en-US" dirty="0" smtClean="0"/>
+              <a:t>突撃時１（味方のみ）</a:t>
+            </a:r>
+            <a:endParaRPr kumimoji="1" lang="ja-JP" altLang="en-US" dirty="0"/>
+          </a:p>
+        </p:txBody>
+      </p:sp>
+      <p:sp>
+        <p:nvSpPr>
+          <p:cNvPr id="3" name="コンテンツ プレースホルダ 2"/>
+          <p:cNvSpPr>
+            <a:spLocks noGrp="1"/>
+          </p:cNvSpPr>
+          <p:nvPr>
+            <p:ph idx="1"/>
+          </p:nvPr>
+        </p:nvSpPr>
+        <p:spPr/>
+        <p:txBody>
+          <a:bodyPr/>
+          <a:lstStyle/>
+          <a:p>
+            <a:endParaRPr kumimoji="1" lang="ja-JP" altLang="en-US"/>
+          </a:p>
+        </p:txBody>
+      </p:sp>
+    </p:spTree>
+  </p:cSld>
+  <p:clrMapOvr>
+    <a:masterClrMapping/>
+  </p:clrMapOvr>
+</p:sld>
+</file>
+
+<file path=ppt/slides/slide12.xml><?xml version="1.0" encoding="utf-8"?>
+<p:sld xmlns:a="http://schemas.openxmlformats.org/drawingml/2006/main" xmlns:r="http://schemas.openxmlformats.org/officeDocument/2006/relationships" xmlns:p="http://schemas.openxmlformats.org/presentationml/2006/main">
+  <p:cSld>
+    <p:spTree>
+      <p:nvGrpSpPr>
+        <p:cNvPr id="1" name=""/>
+        <p:cNvGrpSpPr/>
+        <p:nvPr/>
+      </p:nvGrpSpPr>
+      <p:grpSpPr>
+        <a:xfrm>
+          <a:off x="0" y="0"/>
+          <a:ext cx="0" cy="0"/>
+          <a:chOff x="0" y="0"/>
+          <a:chExt cx="0" cy="0"/>
+        </a:xfrm>
+      </p:grpSpPr>
+      <p:sp>
+        <p:nvSpPr>
+          <p:cNvPr id="2" name="タイトル 1"/>
+          <p:cNvSpPr>
+            <a:spLocks noGrp="1"/>
+          </p:cNvSpPr>
+          <p:nvPr>
+            <p:ph type="title"/>
+          </p:nvPr>
+        </p:nvSpPr>
+        <p:spPr/>
+        <p:txBody>
+          <a:bodyPr/>
+          <a:lstStyle/>
+          <a:p>
+            <a:r>
+              <a:rPr kumimoji="1" lang="ja-JP" altLang="en-US" dirty="0" smtClean="0"/>
               <a:t>回避時１（味方のみ）</a:t>
             </a:r>
             <a:endParaRPr kumimoji="1" lang="ja-JP" altLang="en-US" dirty="0"/>
@@ -3590,7 +3658,7 @@
     </p:spTree>
     <p:extLst>
       <p:ext uri="{BB962C8B-B14F-4D97-AF65-F5344CB8AC3E}">
-        <p14:creationId xmlns="" xmlns:p14="http://schemas.microsoft.com/office/powerpoint/2010/main" val="1999446331"/>
+        <p14:creationId xmlns:p14="http://schemas.microsoft.com/office/powerpoint/2010/main" val="1999446331"/>
       </p:ext>
     </p:extLst>
   </p:cSld>
@@ -3687,7 +3755,7 @@
     </p:spTree>
     <p:extLst>
       <p:ext uri="{BB962C8B-B14F-4D97-AF65-F5344CB8AC3E}">
-        <p14:creationId xmlns="" xmlns:p14="http://schemas.microsoft.com/office/powerpoint/2010/main" val="70668262"/>
+        <p14:creationId xmlns:p14="http://schemas.microsoft.com/office/powerpoint/2010/main" val="70668262"/>
       </p:ext>
     </p:extLst>
   </p:cSld>
@@ -3730,8 +3798,12 @@
           <a:lstStyle/>
           <a:p>
             <a:r>
-              <a:rPr kumimoji="1" lang="ja-JP" altLang="en-US" dirty="0" smtClean="0"/>
-              <a:t>通常時１</a:t>
+              <a:rPr lang="ja-JP" altLang="en-US" dirty="0" smtClean="0"/>
+              <a:t>哨戒時</a:t>
+            </a:r>
+            <a:r>
+              <a:rPr lang="ja-JP" altLang="en-US" dirty="0"/>
+              <a:t>１</a:t>
             </a:r>
             <a:endParaRPr kumimoji="1" lang="ja-JP" altLang="en-US" dirty="0"/>
           </a:p>
@@ -3774,16 +3846,20 @@
           <a:p>
             <a:pPr algn="ctr"/>
             <a:r>
-              <a:rPr kumimoji="1" lang="ja-JP" altLang="en-US" dirty="0" smtClean="0"/>
-              <a:t>敵へ向けて</a:t>
+              <a:rPr kumimoji="1" lang="en-US" altLang="ja-JP" dirty="0" err="1" smtClean="0"/>
+              <a:t>SelectorNode</a:t>
             </a:r>
             <a:endParaRPr kumimoji="1" lang="en-US" altLang="ja-JP" dirty="0" smtClean="0"/>
           </a:p>
           <a:p>
             <a:pPr algn="ctr"/>
             <a:r>
-              <a:rPr kumimoji="1" lang="ja-JP" altLang="en-US" dirty="0" smtClean="0"/>
-              <a:t>飛行中</a:t>
+              <a:rPr lang="ja-JP" altLang="en-US" dirty="0"/>
+              <a:t>敵</a:t>
+            </a:r>
+            <a:r>
+              <a:rPr lang="ja-JP" altLang="en-US" dirty="0" smtClean="0"/>
+              <a:t>がロックオンレンジにいる？</a:t>
             </a:r>
             <a:endParaRPr kumimoji="1" lang="ja-JP" altLang="en-US" dirty="0"/>
           </a:p>
@@ -3797,7 +3873,7 @@
         </p:nvSpPr>
         <p:spPr>
           <a:xfrm>
-            <a:off x="3785506" y="1467529"/>
+            <a:off x="3785507" y="1740353"/>
             <a:ext cx="2163536" cy="856569"/>
           </a:xfrm>
           <a:prstGeom prst="rect">
@@ -3826,27 +3902,67 @@
           <a:p>
             <a:pPr algn="ctr"/>
             <a:r>
-              <a:rPr kumimoji="1" lang="ja-JP" altLang="en-US" dirty="0" smtClean="0"/>
-              <a:t>飛び越えられる</a:t>
-            </a:r>
-            <a:r>
-              <a:rPr lang="ja-JP" altLang="en-US" dirty="0" smtClean="0"/>
-              <a:t>壁にぶつかった</a:t>
+              <a:rPr kumimoji="1" lang="en-US" altLang="ja-JP" dirty="0" err="1" smtClean="0"/>
+              <a:t>ActionNode</a:t>
             </a:r>
             <a:endParaRPr kumimoji="1" lang="en-US" altLang="ja-JP" dirty="0" smtClean="0"/>
           </a:p>
-        </p:txBody>
-      </p:sp>
-      <p:sp>
-        <p:nvSpPr>
-          <p:cNvPr id="6" name="正方形/長方形 5"/>
+          <a:p>
+            <a:pPr algn="ctr"/>
+            <a:r>
+              <a:rPr lang="ja-JP" altLang="en-US" dirty="0" smtClean="0"/>
+              <a:t>敵をロック</a:t>
+            </a:r>
+            <a:endParaRPr kumimoji="1" lang="ja-JP" altLang="en-US" dirty="0"/>
+          </a:p>
+        </p:txBody>
+      </p:sp>
+      <p:cxnSp>
+        <p:nvCxnSpPr>
+          <p:cNvPr id="7" name="直線矢印コネクタ 6"/>
+          <p:cNvCxnSpPr>
+            <a:stCxn id="4" idx="3"/>
+            <a:endCxn id="5" idx="1"/>
+          </p:cNvCxnSpPr>
+          <p:nvPr/>
+        </p:nvCxnSpPr>
+        <p:spPr>
+          <a:xfrm flipV="1">
+            <a:off x="3069772" y="2168638"/>
+            <a:ext cx="715735" cy="856569"/>
+          </a:xfrm>
+          <a:prstGeom prst="straightConnector1">
+            <a:avLst/>
+          </a:prstGeom>
+          <a:ln>
+            <a:tailEnd type="triangle"/>
+          </a:ln>
+        </p:spPr>
+        <p:style>
+          <a:lnRef idx="1">
+            <a:schemeClr val="accent1"/>
+          </a:lnRef>
+          <a:fillRef idx="0">
+            <a:schemeClr val="accent1"/>
+          </a:fillRef>
+          <a:effectRef idx="0">
+            <a:schemeClr val="accent1"/>
+          </a:effectRef>
+          <a:fontRef idx="minor">
+            <a:schemeClr val="tx1"/>
+          </a:fontRef>
+        </p:style>
+      </p:cxnSp>
+      <p:sp>
+        <p:nvSpPr>
+          <p:cNvPr id="10" name="正方形/長方形 9"/>
           <p:cNvSpPr/>
           <p:nvPr/>
         </p:nvSpPr>
         <p:spPr>
           <a:xfrm>
-            <a:off x="3785506" y="2596922"/>
-            <a:ext cx="2163536" cy="856569"/>
+            <a:off x="3785507" y="3447365"/>
+            <a:ext cx="2305050" cy="856569"/>
           </a:xfrm>
           <a:prstGeom prst="rect">
             <a:avLst/>
@@ -3874,30 +3990,34 @@
           <a:p>
             <a:pPr algn="ctr"/>
             <a:r>
+              <a:rPr kumimoji="1" lang="en-US" altLang="ja-JP" dirty="0" err="1" smtClean="0"/>
+              <a:t>SelectorNode</a:t>
+            </a:r>
+            <a:endParaRPr kumimoji="1" lang="en-US" altLang="ja-JP" dirty="0" smtClean="0"/>
+          </a:p>
+          <a:p>
+            <a:pPr algn="ctr"/>
+            <a:r>
               <a:rPr kumimoji="1" lang="ja-JP" altLang="en-US" dirty="0" smtClean="0"/>
-              <a:t>飛び越えられない</a:t>
-            </a:r>
-            <a:r>
-              <a:rPr lang="ja-JP" altLang="en-US" dirty="0" smtClean="0"/>
-              <a:t>壁にぶつかった</a:t>
-            </a:r>
-            <a:endParaRPr kumimoji="1" lang="en-US" altLang="ja-JP" dirty="0" smtClean="0"/>
+              <a:t>往路？復路？到達？</a:t>
+            </a:r>
+            <a:endParaRPr kumimoji="1" lang="ja-JP" altLang="en-US" dirty="0"/>
           </a:p>
         </p:txBody>
       </p:sp>
       <p:cxnSp>
         <p:nvCxnSpPr>
-          <p:cNvPr id="9" name="直線矢印コネクタ 8"/>
+          <p:cNvPr id="12" name="直線矢印コネクタ 11"/>
           <p:cNvCxnSpPr>
             <a:stCxn id="4" idx="3"/>
-            <a:endCxn id="5" idx="1"/>
+            <a:endCxn id="10" idx="1"/>
           </p:cNvCxnSpPr>
           <p:nvPr/>
         </p:nvCxnSpPr>
         <p:spPr>
-          <a:xfrm flipV="1">
-            <a:off x="3069772" y="1895814"/>
-            <a:ext cx="715734" cy="1129393"/>
+          <a:xfrm>
+            <a:off x="3069772" y="3025207"/>
+            <a:ext cx="715735" cy="850443"/>
           </a:xfrm>
           <a:prstGeom prst="straightConnector1">
             <a:avLst/>
@@ -3921,697 +4041,10 @@
           </a:fontRef>
         </p:style>
       </p:cxnSp>
-      <p:cxnSp>
-        <p:nvCxnSpPr>
-          <p:cNvPr id="12" name="直線矢印コネクタ 11"/>
-          <p:cNvCxnSpPr>
-            <a:stCxn id="4" idx="3"/>
-            <a:endCxn id="6" idx="1"/>
-          </p:cNvCxnSpPr>
-          <p:nvPr/>
-        </p:nvCxnSpPr>
-        <p:spPr>
-          <a:xfrm>
-            <a:off x="3069772" y="3025207"/>
-            <a:ext cx="715734" cy="0"/>
-          </a:xfrm>
-          <a:prstGeom prst="straightConnector1">
-            <a:avLst/>
-          </a:prstGeom>
-          <a:ln>
-            <a:tailEnd type="triangle"/>
-          </a:ln>
-        </p:spPr>
-        <p:style>
-          <a:lnRef idx="1">
-            <a:schemeClr val="accent1"/>
-          </a:lnRef>
-          <a:fillRef idx="0">
-            <a:schemeClr val="accent1"/>
-          </a:fillRef>
-          <a:effectRef idx="0">
-            <a:schemeClr val="accent1"/>
-          </a:effectRef>
-          <a:fontRef idx="minor">
-            <a:schemeClr val="tx1"/>
-          </a:fontRef>
-        </p:style>
-      </p:cxnSp>
-      <p:cxnSp>
-        <p:nvCxnSpPr>
-          <p:cNvPr id="14" name="直線矢印コネクタ 13"/>
-          <p:cNvCxnSpPr>
-            <a:stCxn id="4" idx="3"/>
-            <a:endCxn id="25" idx="1"/>
-          </p:cNvCxnSpPr>
-          <p:nvPr/>
-        </p:nvCxnSpPr>
-        <p:spPr>
-          <a:xfrm>
-            <a:off x="3069772" y="3025207"/>
-            <a:ext cx="757871" cy="1238258"/>
-          </a:xfrm>
-          <a:prstGeom prst="straightConnector1">
-            <a:avLst/>
-          </a:prstGeom>
-          <a:ln>
-            <a:tailEnd type="triangle"/>
-          </a:ln>
-        </p:spPr>
-        <p:style>
-          <a:lnRef idx="1">
-            <a:schemeClr val="accent1"/>
-          </a:lnRef>
-          <a:fillRef idx="0">
-            <a:schemeClr val="accent1"/>
-          </a:fillRef>
-          <a:effectRef idx="0">
-            <a:schemeClr val="accent1"/>
-          </a:effectRef>
-          <a:fontRef idx="minor">
-            <a:schemeClr val="tx1"/>
-          </a:fontRef>
-        </p:style>
-      </p:cxnSp>
-      <p:sp>
-        <p:nvSpPr>
-          <p:cNvPr id="10" name="テキスト ボックス 9"/>
-          <p:cNvSpPr txBox="1"/>
-          <p:nvPr/>
-        </p:nvSpPr>
-        <p:spPr>
-          <a:xfrm>
-            <a:off x="3437640" y="228345"/>
-            <a:ext cx="10205049" cy="646331"/>
-          </a:xfrm>
-          <a:prstGeom prst="rect">
-            <a:avLst/>
-          </a:prstGeom>
-          <a:noFill/>
-        </p:spPr>
-        <p:txBody>
-          <a:bodyPr wrap="square" rtlCol="0">
-            <a:spAutoFit/>
-          </a:bodyPr>
-          <a:lstStyle/>
-          <a:p>
-            <a:r>
-              <a:rPr kumimoji="1" lang="ja-JP" altLang="en-US" dirty="0" smtClean="0"/>
-              <a:t>飛び越えられる壁（タグ名称：</a:t>
-            </a:r>
-            <a:r>
-              <a:rPr kumimoji="1" lang="en-US" altLang="ja-JP" dirty="0" err="1" smtClean="0"/>
-              <a:t>Jumpover</a:t>
-            </a:r>
-            <a:r>
-              <a:rPr kumimoji="1" lang="ja-JP" altLang="en-US" dirty="0" smtClean="0"/>
-              <a:t>）</a:t>
-            </a:r>
-            <a:endParaRPr kumimoji="1" lang="en-US" altLang="ja-JP" dirty="0" smtClean="0"/>
-          </a:p>
-          <a:p>
-            <a:r>
-              <a:rPr lang="ja-JP" altLang="en-US" dirty="0" smtClean="0"/>
-              <a:t>飛び越えられない壁（タグ名称：</a:t>
-            </a:r>
-            <a:r>
-              <a:rPr lang="en-US" altLang="ja-JP" dirty="0" err="1" smtClean="0"/>
-              <a:t>unjumpover</a:t>
-            </a:r>
-            <a:r>
-              <a:rPr lang="en-US" altLang="ja-JP" dirty="0" smtClean="0"/>
-              <a:t>)</a:t>
-            </a:r>
-            <a:endParaRPr kumimoji="1" lang="ja-JP" altLang="en-US" dirty="0"/>
-          </a:p>
-        </p:txBody>
-      </p:sp>
-      <p:sp>
-        <p:nvSpPr>
-          <p:cNvPr id="11" name="正方形/長方形 10"/>
-          <p:cNvSpPr/>
-          <p:nvPr/>
-        </p:nvSpPr>
-        <p:spPr>
-          <a:xfrm>
-            <a:off x="6603468" y="1456030"/>
-            <a:ext cx="2163536" cy="856569"/>
-          </a:xfrm>
-          <a:prstGeom prst="rect">
-            <a:avLst/>
-          </a:prstGeom>
-        </p:spPr>
-        <p:style>
-          <a:lnRef idx="2">
-            <a:schemeClr val="accent1">
-              <a:shade val="50000"/>
-            </a:schemeClr>
-          </a:lnRef>
-          <a:fillRef idx="1">
-            <a:schemeClr val="accent1"/>
-          </a:fillRef>
-          <a:effectRef idx="0">
-            <a:schemeClr val="accent1"/>
-          </a:effectRef>
-          <a:fontRef idx="minor">
-            <a:schemeClr val="lt1"/>
-          </a:fontRef>
-        </p:style>
-        <p:txBody>
-          <a:bodyPr rtlCol="0" anchor="ctr"/>
-          <a:lstStyle/>
-          <a:p>
-            <a:pPr algn="ctr"/>
-            <a:r>
-              <a:rPr kumimoji="1" lang="ja-JP" altLang="en-US" dirty="0" smtClean="0"/>
-              <a:t>着地した後、引っかからなくなるまで上昇</a:t>
-            </a:r>
-            <a:endParaRPr kumimoji="1" lang="en-US" altLang="ja-JP" dirty="0" smtClean="0"/>
-          </a:p>
-        </p:txBody>
-      </p:sp>
-      <p:cxnSp>
-        <p:nvCxnSpPr>
-          <p:cNvPr id="15" name="直線矢印コネクタ 14"/>
-          <p:cNvCxnSpPr>
-            <a:stCxn id="5" idx="3"/>
-            <a:endCxn id="11" idx="1"/>
-          </p:cNvCxnSpPr>
-          <p:nvPr/>
-        </p:nvCxnSpPr>
-        <p:spPr>
-          <a:xfrm flipV="1">
-            <a:off x="5949042" y="1884315"/>
-            <a:ext cx="654426" cy="11499"/>
-          </a:xfrm>
-          <a:prstGeom prst="straightConnector1">
-            <a:avLst/>
-          </a:prstGeom>
-          <a:ln>
-            <a:tailEnd type="arrow"/>
-          </a:ln>
-        </p:spPr>
-        <p:style>
-          <a:lnRef idx="1">
-            <a:schemeClr val="accent1"/>
-          </a:lnRef>
-          <a:fillRef idx="0">
-            <a:schemeClr val="accent1"/>
-          </a:fillRef>
-          <a:effectRef idx="0">
-            <a:schemeClr val="accent1"/>
-          </a:effectRef>
-          <a:fontRef idx="minor">
-            <a:schemeClr val="tx1"/>
-          </a:fontRef>
-        </p:style>
-      </p:cxnSp>
-      <p:cxnSp>
-        <p:nvCxnSpPr>
-          <p:cNvPr id="17" name="図形 16"/>
-          <p:cNvCxnSpPr>
-            <a:stCxn id="11" idx="3"/>
-            <a:endCxn id="4" idx="1"/>
-          </p:cNvCxnSpPr>
-          <p:nvPr/>
-        </p:nvCxnSpPr>
-        <p:spPr>
-          <a:xfrm flipH="1">
-            <a:off x="906236" y="1884315"/>
-            <a:ext cx="7860768" cy="1140892"/>
-          </a:xfrm>
-          <a:prstGeom prst="bentConnector5">
-            <a:avLst>
-              <a:gd name="adj1" fmla="val -2908"/>
-              <a:gd name="adj2" fmla="val -49807"/>
-              <a:gd name="adj3" fmla="val 102908"/>
-            </a:avLst>
-          </a:prstGeom>
-          <a:ln>
-            <a:tailEnd type="arrow"/>
-          </a:ln>
-        </p:spPr>
-        <p:style>
-          <a:lnRef idx="1">
-            <a:schemeClr val="accent1"/>
-          </a:lnRef>
-          <a:fillRef idx="0">
-            <a:schemeClr val="accent1"/>
-          </a:fillRef>
-          <a:effectRef idx="0">
-            <a:schemeClr val="accent1"/>
-          </a:effectRef>
-          <a:fontRef idx="minor">
-            <a:schemeClr val="tx1"/>
-          </a:fontRef>
-        </p:style>
-      </p:cxnSp>
-      <p:sp>
-        <p:nvSpPr>
-          <p:cNvPr id="18" name="正方形/長方形 17"/>
-          <p:cNvSpPr/>
-          <p:nvPr/>
-        </p:nvSpPr>
-        <p:spPr>
-          <a:xfrm>
-            <a:off x="6600600" y="2609046"/>
-            <a:ext cx="2163536" cy="856569"/>
-          </a:xfrm>
-          <a:prstGeom prst="rect">
-            <a:avLst/>
-          </a:prstGeom>
-        </p:spPr>
-        <p:style>
-          <a:lnRef idx="2">
-            <a:schemeClr val="accent1">
-              <a:shade val="50000"/>
-            </a:schemeClr>
-          </a:lnRef>
-          <a:fillRef idx="1">
-            <a:schemeClr val="accent1"/>
-          </a:fillRef>
-          <a:effectRef idx="0">
-            <a:schemeClr val="accent1"/>
-          </a:effectRef>
-          <a:fontRef idx="minor">
-            <a:schemeClr val="lt1"/>
-          </a:fontRef>
-        </p:style>
-        <p:txBody>
-          <a:bodyPr rtlCol="0" anchor="ctr"/>
-          <a:lstStyle/>
-          <a:p>
-            <a:pPr algn="ctr"/>
-            <a:r>
-              <a:rPr lang="ja-JP" altLang="en-US" dirty="0" smtClean="0"/>
-              <a:t>ランダムで左右どちらかへ引っかからなくなるまで移動</a:t>
-            </a:r>
-            <a:endParaRPr kumimoji="1" lang="en-US" altLang="ja-JP" dirty="0" smtClean="0"/>
-          </a:p>
-        </p:txBody>
-      </p:sp>
-      <p:cxnSp>
-        <p:nvCxnSpPr>
-          <p:cNvPr id="22" name="直線矢印コネクタ 21"/>
-          <p:cNvCxnSpPr>
-            <a:stCxn id="6" idx="3"/>
-            <a:endCxn id="18" idx="1"/>
-          </p:cNvCxnSpPr>
-          <p:nvPr/>
-        </p:nvCxnSpPr>
-        <p:spPr>
-          <a:xfrm>
-            <a:off x="5949042" y="3025207"/>
-            <a:ext cx="651558" cy="12124"/>
-          </a:xfrm>
-          <a:prstGeom prst="straightConnector1">
-            <a:avLst/>
-          </a:prstGeom>
-          <a:ln>
-            <a:tailEnd type="arrow"/>
-          </a:ln>
-        </p:spPr>
-        <p:style>
-          <a:lnRef idx="1">
-            <a:schemeClr val="accent1"/>
-          </a:lnRef>
-          <a:fillRef idx="0">
-            <a:schemeClr val="accent1"/>
-          </a:fillRef>
-          <a:effectRef idx="0">
-            <a:schemeClr val="accent1"/>
-          </a:effectRef>
-          <a:fontRef idx="minor">
-            <a:schemeClr val="tx1"/>
-          </a:fontRef>
-        </p:style>
-      </p:cxnSp>
-      <p:cxnSp>
-        <p:nvCxnSpPr>
-          <p:cNvPr id="24" name="図形 23"/>
-          <p:cNvCxnSpPr>
-            <a:stCxn id="18" idx="3"/>
-            <a:endCxn id="4" idx="1"/>
-          </p:cNvCxnSpPr>
-          <p:nvPr/>
-        </p:nvCxnSpPr>
-        <p:spPr>
-          <a:xfrm flipH="1" flipV="1">
-            <a:off x="906236" y="3025207"/>
-            <a:ext cx="7857900" cy="12124"/>
-          </a:xfrm>
-          <a:prstGeom prst="bentConnector5">
-            <a:avLst>
-              <a:gd name="adj1" fmla="val -2909"/>
-              <a:gd name="adj2" fmla="val 14269701"/>
-              <a:gd name="adj3" fmla="val 102909"/>
-            </a:avLst>
-          </a:prstGeom>
-          <a:ln>
-            <a:tailEnd type="arrow"/>
-          </a:ln>
-        </p:spPr>
-        <p:style>
-          <a:lnRef idx="1">
-            <a:schemeClr val="accent1"/>
-          </a:lnRef>
-          <a:fillRef idx="0">
-            <a:schemeClr val="accent1"/>
-          </a:fillRef>
-          <a:effectRef idx="0">
-            <a:schemeClr val="accent1"/>
-          </a:effectRef>
-          <a:fontRef idx="minor">
-            <a:schemeClr val="tx1"/>
-          </a:fontRef>
-        </p:style>
-      </p:cxnSp>
-      <p:sp>
-        <p:nvSpPr>
-          <p:cNvPr id="25" name="正方形/長方形 24"/>
-          <p:cNvSpPr/>
-          <p:nvPr/>
-        </p:nvSpPr>
-        <p:spPr>
-          <a:xfrm>
-            <a:off x="3827643" y="3835180"/>
-            <a:ext cx="2163536" cy="856569"/>
-          </a:xfrm>
-          <a:prstGeom prst="rect">
-            <a:avLst/>
-          </a:prstGeom>
-        </p:spPr>
-        <p:style>
-          <a:lnRef idx="2">
-            <a:schemeClr val="accent1">
-              <a:shade val="50000"/>
-            </a:schemeClr>
-          </a:lnRef>
-          <a:fillRef idx="1">
-            <a:schemeClr val="accent1"/>
-          </a:fillRef>
-          <a:effectRef idx="0">
-            <a:schemeClr val="accent1"/>
-          </a:effectRef>
-          <a:fontRef idx="minor">
-            <a:schemeClr val="lt1"/>
-          </a:fontRef>
-        </p:style>
-        <p:txBody>
-          <a:bodyPr rtlCol="0" anchor="ctr"/>
-          <a:lstStyle/>
-          <a:p>
-            <a:pPr algn="ctr"/>
-            <a:r>
-              <a:rPr kumimoji="1" lang="ja-JP" altLang="en-US" dirty="0" smtClean="0"/>
-              <a:t>赤ロックになった</a:t>
-            </a:r>
-            <a:endParaRPr kumimoji="1" lang="en-US" altLang="ja-JP" dirty="0" smtClean="0"/>
-          </a:p>
-        </p:txBody>
-      </p:sp>
-      <p:sp>
-        <p:nvSpPr>
-          <p:cNvPr id="26" name="テキスト ボックス 25"/>
-          <p:cNvSpPr txBox="1"/>
-          <p:nvPr/>
-        </p:nvSpPr>
-        <p:spPr>
-          <a:xfrm>
-            <a:off x="8842103" y="1630402"/>
-            <a:ext cx="646331" cy="369332"/>
-          </a:xfrm>
-          <a:prstGeom prst="rect">
-            <a:avLst/>
-          </a:prstGeom>
-          <a:noFill/>
-        </p:spPr>
-        <p:txBody>
-          <a:bodyPr wrap="none" rtlCol="0">
-            <a:spAutoFit/>
-          </a:bodyPr>
-          <a:lstStyle/>
-          <a:p>
-            <a:r>
-              <a:rPr kumimoji="1" lang="ja-JP" altLang="en-US" dirty="0" smtClean="0"/>
-              <a:t>終了</a:t>
-            </a:r>
-            <a:endParaRPr kumimoji="1" lang="ja-JP" altLang="en-US" dirty="0"/>
-          </a:p>
-        </p:txBody>
-      </p:sp>
-      <p:sp>
-        <p:nvSpPr>
-          <p:cNvPr id="27" name="テキスト ボックス 26"/>
-          <p:cNvSpPr txBox="1"/>
-          <p:nvPr/>
-        </p:nvSpPr>
-        <p:spPr>
-          <a:xfrm>
-            <a:off x="8856487" y="2731662"/>
-            <a:ext cx="646331" cy="369332"/>
-          </a:xfrm>
-          <a:prstGeom prst="rect">
-            <a:avLst/>
-          </a:prstGeom>
-          <a:noFill/>
-        </p:spPr>
-        <p:txBody>
-          <a:bodyPr wrap="none" rtlCol="0">
-            <a:spAutoFit/>
-          </a:bodyPr>
-          <a:lstStyle/>
-          <a:p>
-            <a:r>
-              <a:rPr kumimoji="1" lang="ja-JP" altLang="en-US" dirty="0" smtClean="0"/>
-              <a:t>終了</a:t>
-            </a:r>
-            <a:endParaRPr kumimoji="1" lang="ja-JP" altLang="en-US" dirty="0"/>
-          </a:p>
-        </p:txBody>
-      </p:sp>
-      <p:cxnSp>
-        <p:nvCxnSpPr>
-          <p:cNvPr id="31" name="直線矢印コネクタ 30"/>
-          <p:cNvCxnSpPr>
-            <a:stCxn id="25" idx="3"/>
-          </p:cNvCxnSpPr>
-          <p:nvPr/>
-        </p:nvCxnSpPr>
-        <p:spPr>
-          <a:xfrm>
-            <a:off x="5991179" y="4263465"/>
-            <a:ext cx="641531" cy="2043"/>
-          </a:xfrm>
-          <a:prstGeom prst="straightConnector1">
-            <a:avLst/>
-          </a:prstGeom>
-          <a:ln>
-            <a:tailEnd type="arrow"/>
-          </a:ln>
-        </p:spPr>
-        <p:style>
-          <a:lnRef idx="1">
-            <a:schemeClr val="accent1"/>
-          </a:lnRef>
-          <a:fillRef idx="0">
-            <a:schemeClr val="accent1"/>
-          </a:fillRef>
-          <a:effectRef idx="0">
-            <a:schemeClr val="accent1"/>
-          </a:effectRef>
-          <a:fontRef idx="minor">
-            <a:schemeClr val="tx1"/>
-          </a:fontRef>
-        </p:style>
-      </p:cxnSp>
-      <p:sp>
-        <p:nvSpPr>
-          <p:cNvPr id="32" name="テキスト ボックス 31"/>
-          <p:cNvSpPr txBox="1"/>
-          <p:nvPr/>
-        </p:nvSpPr>
-        <p:spPr>
-          <a:xfrm>
-            <a:off x="6710348" y="4098815"/>
-            <a:ext cx="1483744" cy="369332"/>
-          </a:xfrm>
-          <a:prstGeom prst="rect">
-            <a:avLst/>
-          </a:prstGeom>
-          <a:noFill/>
-        </p:spPr>
-        <p:txBody>
-          <a:bodyPr wrap="square" rtlCol="0">
-            <a:spAutoFit/>
-          </a:bodyPr>
-          <a:lstStyle/>
-          <a:p>
-            <a:r>
-              <a:rPr kumimoji="1" lang="ja-JP" altLang="en-US" dirty="0" smtClean="0"/>
-              <a:t>通常時</a:t>
-            </a:r>
-            <a:r>
-              <a:rPr kumimoji="1" lang="en-US" altLang="ja-JP" dirty="0" smtClean="0"/>
-              <a:t>2</a:t>
-            </a:r>
-            <a:r>
-              <a:rPr kumimoji="1" lang="ja-JP" altLang="en-US" dirty="0" smtClean="0"/>
-              <a:t>へ</a:t>
-            </a:r>
-            <a:endParaRPr kumimoji="1" lang="ja-JP" altLang="en-US" dirty="0"/>
-          </a:p>
-        </p:txBody>
-      </p:sp>
-      <p:sp>
-        <p:nvSpPr>
-          <p:cNvPr id="37" name="正方形/長方形 36"/>
-          <p:cNvSpPr/>
-          <p:nvPr/>
-        </p:nvSpPr>
-        <p:spPr>
-          <a:xfrm>
-            <a:off x="3799883" y="4983911"/>
-            <a:ext cx="2163536" cy="856569"/>
-          </a:xfrm>
-          <a:prstGeom prst="rect">
-            <a:avLst/>
-          </a:prstGeom>
-        </p:spPr>
-        <p:style>
-          <a:lnRef idx="2">
-            <a:schemeClr val="accent1">
-              <a:shade val="50000"/>
-            </a:schemeClr>
-          </a:lnRef>
-          <a:fillRef idx="1">
-            <a:schemeClr val="accent1"/>
-          </a:fillRef>
-          <a:effectRef idx="0">
-            <a:schemeClr val="accent1"/>
-          </a:effectRef>
-          <a:fontRef idx="minor">
-            <a:schemeClr val="lt1"/>
-          </a:fontRef>
-        </p:style>
-        <p:txBody>
-          <a:bodyPr rtlCol="0" anchor="ctr"/>
-          <a:lstStyle/>
-          <a:p>
-            <a:pPr algn="ctr"/>
-            <a:r>
-              <a:rPr kumimoji="1" lang="ja-JP" altLang="en-US" dirty="0" smtClean="0"/>
-              <a:t>敵が索敵コライダの範囲外に出た</a:t>
-            </a:r>
-            <a:endParaRPr kumimoji="1" lang="en-US" altLang="ja-JP" dirty="0" smtClean="0"/>
-          </a:p>
-        </p:txBody>
-      </p:sp>
-      <p:cxnSp>
-        <p:nvCxnSpPr>
-          <p:cNvPr id="39" name="直線矢印コネクタ 38"/>
-          <p:cNvCxnSpPr>
-            <a:stCxn id="4" idx="3"/>
-            <a:endCxn id="37" idx="1"/>
-          </p:cNvCxnSpPr>
-          <p:nvPr/>
-        </p:nvCxnSpPr>
-        <p:spPr>
-          <a:xfrm>
-            <a:off x="3069772" y="3025207"/>
-            <a:ext cx="730111" cy="2386989"/>
-          </a:xfrm>
-          <a:prstGeom prst="straightConnector1">
-            <a:avLst/>
-          </a:prstGeom>
-          <a:ln>
-            <a:tailEnd type="arrow"/>
-          </a:ln>
-        </p:spPr>
-        <p:style>
-          <a:lnRef idx="1">
-            <a:schemeClr val="accent1"/>
-          </a:lnRef>
-          <a:fillRef idx="0">
-            <a:schemeClr val="accent1"/>
-          </a:fillRef>
-          <a:effectRef idx="0">
-            <a:schemeClr val="accent1"/>
-          </a:effectRef>
-          <a:fontRef idx="minor">
-            <a:schemeClr val="tx1"/>
-          </a:fontRef>
-        </p:style>
-      </p:cxnSp>
-      <p:cxnSp>
-        <p:nvCxnSpPr>
-          <p:cNvPr id="41" name="直線矢印コネクタ 40"/>
-          <p:cNvCxnSpPr>
-            <a:stCxn id="37" idx="3"/>
-          </p:cNvCxnSpPr>
-          <p:nvPr/>
-        </p:nvCxnSpPr>
-        <p:spPr>
-          <a:xfrm flipV="1">
-            <a:off x="5963419" y="5409777"/>
-            <a:ext cx="1438045" cy="2419"/>
-          </a:xfrm>
-          <a:prstGeom prst="straightConnector1">
-            <a:avLst/>
-          </a:prstGeom>
-          <a:ln>
-            <a:tailEnd type="arrow"/>
-          </a:ln>
-        </p:spPr>
-        <p:style>
-          <a:lnRef idx="1">
-            <a:schemeClr val="accent1"/>
-          </a:lnRef>
-          <a:fillRef idx="0">
-            <a:schemeClr val="accent1"/>
-          </a:fillRef>
-          <a:effectRef idx="0">
-            <a:schemeClr val="accent1"/>
-          </a:effectRef>
-          <a:fontRef idx="minor">
-            <a:schemeClr val="tx1"/>
-          </a:fontRef>
-        </p:style>
-      </p:cxnSp>
-      <p:sp>
-        <p:nvSpPr>
-          <p:cNvPr id="42" name="テキスト ボックス 41"/>
-          <p:cNvSpPr txBox="1"/>
-          <p:nvPr/>
-        </p:nvSpPr>
-        <p:spPr>
-          <a:xfrm>
-            <a:off x="7479108" y="5233440"/>
-            <a:ext cx="1889185" cy="369332"/>
-          </a:xfrm>
-          <a:prstGeom prst="rect">
-            <a:avLst/>
-          </a:prstGeom>
-          <a:noFill/>
-        </p:spPr>
-        <p:txBody>
-          <a:bodyPr wrap="square" rtlCol="0">
-            <a:spAutoFit/>
-          </a:bodyPr>
-          <a:lstStyle/>
-          <a:p>
-            <a:r>
-              <a:rPr kumimoji="1" lang="ja-JP" altLang="en-US" dirty="0" smtClean="0"/>
-              <a:t>哨戒へ戻る</a:t>
-            </a:r>
-            <a:endParaRPr kumimoji="1" lang="en-US" altLang="ja-JP" dirty="0" smtClean="0"/>
-          </a:p>
-        </p:txBody>
-      </p:sp>
     </p:spTree>
     <p:extLst>
       <p:ext uri="{BB962C8B-B14F-4D97-AF65-F5344CB8AC3E}">
-        <p14:creationId xmlns="" xmlns:p14="http://schemas.microsoft.com/office/powerpoint/2010/main" val="1564463384"/>
+        <p14:creationId xmlns:p14="http://schemas.microsoft.com/office/powerpoint/2010/main" val="816825021"/>
       </p:ext>
     </p:extLst>
   </p:cSld>
@@ -4655,15 +4088,7 @@
           <a:p>
             <a:r>
               <a:rPr kumimoji="1" lang="ja-JP" altLang="en-US" dirty="0" smtClean="0"/>
-              <a:t>通常時</a:t>
-            </a:r>
-            <a:r>
-              <a:rPr kumimoji="1" lang="en-US" altLang="ja-JP" dirty="0" smtClean="0"/>
-              <a:t>2</a:t>
-            </a:r>
-            <a:r>
-              <a:rPr kumimoji="1" lang="ja-JP" altLang="en-US" dirty="0" smtClean="0"/>
-              <a:t>（赤ロック）</a:t>
+              <a:t>通常時１</a:t>
             </a:r>
             <a:endParaRPr kumimoji="1" lang="ja-JP" altLang="en-US" dirty="0"/>
           </a:p>
@@ -4707,7 +4132,15 @@
             <a:pPr algn="ctr"/>
             <a:r>
               <a:rPr kumimoji="1" lang="ja-JP" altLang="en-US" dirty="0" smtClean="0"/>
-              <a:t>近接間合いか？</a:t>
+              <a:t>敵へ向けて</a:t>
+            </a:r>
+            <a:endParaRPr kumimoji="1" lang="en-US" altLang="ja-JP" dirty="0" smtClean="0"/>
+          </a:p>
+          <a:p>
+            <a:pPr algn="ctr"/>
+            <a:r>
+              <a:rPr kumimoji="1" lang="ja-JP" altLang="en-US" dirty="0" smtClean="0"/>
+              <a:t>飛行中</a:t>
             </a:r>
             <a:endParaRPr kumimoji="1" lang="ja-JP" altLang="en-US" dirty="0"/>
           </a:p>
@@ -4721,7 +4154,7 @@
         </p:nvSpPr>
         <p:spPr>
           <a:xfrm>
-            <a:off x="3966754" y="2234771"/>
+            <a:off x="3785506" y="1467529"/>
             <a:ext cx="2163536" cy="856569"/>
           </a:xfrm>
           <a:prstGeom prst="rect">
@@ -4751,9 +4184,13 @@
             <a:pPr algn="ctr"/>
             <a:r>
               <a:rPr kumimoji="1" lang="ja-JP" altLang="en-US" dirty="0" smtClean="0"/>
-              <a:t>相手が格闘を振っているか？</a:t>
-            </a:r>
-            <a:endParaRPr kumimoji="1" lang="ja-JP" altLang="en-US" dirty="0"/>
+              <a:t>飛び越えられる</a:t>
+            </a:r>
+            <a:r>
+              <a:rPr lang="ja-JP" altLang="en-US" dirty="0" smtClean="0"/>
+              <a:t>壁にぶつかった</a:t>
+            </a:r>
+            <a:endParaRPr kumimoji="1" lang="en-US" altLang="ja-JP" dirty="0" smtClean="0"/>
           </a:p>
         </p:txBody>
       </p:sp>
@@ -4765,7 +4202,7 @@
         </p:nvSpPr>
         <p:spPr>
           <a:xfrm>
-            <a:off x="6381015" y="3404937"/>
+            <a:off x="3785506" y="2596922"/>
             <a:ext cx="2163536" cy="856569"/>
           </a:xfrm>
           <a:prstGeom prst="rect">
@@ -4795,38 +4232,35 @@
             <a:pPr algn="ctr"/>
             <a:r>
               <a:rPr kumimoji="1" lang="ja-JP" altLang="en-US" dirty="0" smtClean="0"/>
-              <a:t>弾が</a:t>
-            </a:r>
-            <a:r>
-              <a:rPr kumimoji="1" lang="en-US" altLang="ja-JP" dirty="0" smtClean="0"/>
-              <a:t>1</a:t>
-            </a:r>
-            <a:r>
-              <a:rPr kumimoji="1" lang="ja-JP" altLang="en-US" dirty="0" smtClean="0"/>
-              <a:t>発以上あるか？</a:t>
-            </a:r>
-            <a:endParaRPr kumimoji="1" lang="ja-JP" altLang="en-US" dirty="0"/>
+              <a:t>飛び越えられない</a:t>
+            </a:r>
+            <a:r>
+              <a:rPr lang="ja-JP" altLang="en-US" dirty="0" smtClean="0"/>
+              <a:t>壁にぶつかった</a:t>
+            </a:r>
+            <a:endParaRPr kumimoji="1" lang="en-US" altLang="ja-JP" dirty="0" smtClean="0"/>
           </a:p>
         </p:txBody>
       </p:sp>
       <p:cxnSp>
         <p:nvCxnSpPr>
-          <p:cNvPr id="8" name="カギ線コネクタ 7"/>
-          <p:cNvCxnSpPr/>
+          <p:cNvPr id="9" name="直線矢印コネクタ 8"/>
+          <p:cNvCxnSpPr>
+            <a:stCxn id="4" idx="3"/>
+            <a:endCxn id="5" idx="1"/>
+          </p:cNvCxnSpPr>
           <p:nvPr/>
         </p:nvCxnSpPr>
         <p:spPr>
-          <a:xfrm>
-            <a:off x="3056325" y="3025207"/>
-            <a:ext cx="881126" cy="796295"/>
-          </a:xfrm>
-          <a:prstGeom prst="bentConnector3">
-            <a:avLst>
-              <a:gd name="adj1" fmla="val 50000"/>
-            </a:avLst>
+          <a:xfrm flipV="1">
+            <a:off x="3069772" y="1895814"/>
+            <a:ext cx="715734" cy="1129393"/>
+          </a:xfrm>
+          <a:prstGeom prst="straightConnector1">
+            <a:avLst/>
           </a:prstGeom>
           <a:ln>
-            <a:tailEnd type="arrow"/>
+            <a:tailEnd type="triangle"/>
           </a:ln>
         </p:spPr>
         <p:style>
@@ -4846,245 +4280,23 @@
       </p:cxnSp>
       <p:cxnSp>
         <p:nvCxnSpPr>
-          <p:cNvPr id="10" name="カギ線コネクタ 9"/>
+          <p:cNvPr id="12" name="直線矢印コネクタ 11"/>
           <p:cNvCxnSpPr>
             <a:stCxn id="4" idx="3"/>
-            <a:endCxn id="5" idx="1"/>
+            <a:endCxn id="6" idx="1"/>
           </p:cNvCxnSpPr>
           <p:nvPr/>
         </p:nvCxnSpPr>
         <p:spPr>
-          <a:xfrm flipV="1">
-            <a:off x="3069772" y="2663056"/>
-            <a:ext cx="896982" cy="362151"/>
-          </a:xfrm>
-          <a:prstGeom prst="bentConnector3">
-            <a:avLst>
-              <a:gd name="adj1" fmla="val 47002"/>
-            </a:avLst>
-          </a:prstGeom>
-          <a:ln>
-            <a:tailEnd type="arrow"/>
-          </a:ln>
-        </p:spPr>
-        <p:style>
-          <a:lnRef idx="1">
-            <a:schemeClr val="accent1"/>
-          </a:lnRef>
-          <a:fillRef idx="0">
-            <a:schemeClr val="accent1"/>
-          </a:fillRef>
-          <a:effectRef idx="0">
-            <a:schemeClr val="accent1"/>
-          </a:effectRef>
-          <a:fontRef idx="minor">
-            <a:schemeClr val="tx1"/>
-          </a:fontRef>
-        </p:style>
-      </p:cxnSp>
-      <p:sp>
-        <p:nvSpPr>
-          <p:cNvPr id="11" name="テキスト ボックス 10"/>
-          <p:cNvSpPr txBox="1"/>
-          <p:nvPr/>
-        </p:nvSpPr>
-        <p:spPr>
           <a:xfrm>
-            <a:off x="5472191" y="214646"/>
-            <a:ext cx="655608" cy="369332"/>
-          </a:xfrm>
-          <a:prstGeom prst="rect">
-            <a:avLst/>
-          </a:prstGeom>
-          <a:noFill/>
-        </p:spPr>
-        <p:txBody>
-          <a:bodyPr wrap="square" rtlCol="0">
-            <a:spAutoFit/>
-          </a:bodyPr>
-          <a:lstStyle/>
-          <a:p>
-            <a:r>
-              <a:rPr kumimoji="1" lang="en-US" altLang="ja-JP" dirty="0" smtClean="0"/>
-              <a:t>YES</a:t>
-            </a:r>
-            <a:endParaRPr kumimoji="1" lang="ja-JP" altLang="en-US" dirty="0"/>
-          </a:p>
-        </p:txBody>
-      </p:sp>
-      <p:sp>
-        <p:nvSpPr>
-          <p:cNvPr id="12" name="テキスト ボックス 11"/>
-          <p:cNvSpPr txBox="1"/>
-          <p:nvPr/>
-        </p:nvSpPr>
-        <p:spPr>
-          <a:xfrm>
-            <a:off x="3209026" y="4011283"/>
-            <a:ext cx="543465" cy="369332"/>
-          </a:xfrm>
-          <a:prstGeom prst="rect">
-            <a:avLst/>
-          </a:prstGeom>
-          <a:noFill/>
-        </p:spPr>
-        <p:txBody>
-          <a:bodyPr wrap="square" rtlCol="0">
-            <a:spAutoFit/>
-          </a:bodyPr>
-          <a:lstStyle/>
-          <a:p>
-            <a:r>
-              <a:rPr kumimoji="1" lang="en-US" altLang="ja-JP" dirty="0" smtClean="0"/>
-              <a:t>No</a:t>
-            </a:r>
-            <a:endParaRPr kumimoji="1" lang="ja-JP" altLang="en-US" dirty="0"/>
-          </a:p>
-        </p:txBody>
-      </p:sp>
-      <p:sp>
-        <p:nvSpPr>
-          <p:cNvPr id="13" name="正方形/長方形 12"/>
-          <p:cNvSpPr/>
-          <p:nvPr/>
-        </p:nvSpPr>
-        <p:spPr>
-          <a:xfrm>
-            <a:off x="6991750" y="1180488"/>
-            <a:ext cx="2163536" cy="856569"/>
-          </a:xfrm>
-          <a:prstGeom prst="rect">
-            <a:avLst/>
-          </a:prstGeom>
-        </p:spPr>
-        <p:style>
-          <a:lnRef idx="2">
-            <a:schemeClr val="accent1">
-              <a:shade val="50000"/>
-            </a:schemeClr>
-          </a:lnRef>
-          <a:fillRef idx="1">
-            <a:schemeClr val="accent1"/>
-          </a:fillRef>
-          <a:effectRef idx="0">
-            <a:schemeClr val="accent1"/>
-          </a:effectRef>
-          <a:fontRef idx="minor">
-            <a:schemeClr val="lt1"/>
-          </a:fontRef>
-        </p:style>
-        <p:txBody>
-          <a:bodyPr rtlCol="0" anchor="ctr"/>
-          <a:lstStyle/>
-          <a:p>
-            <a:pPr algn="ctr"/>
-            <a:r>
-              <a:rPr kumimoji="1" lang="ja-JP" altLang="en-US" dirty="0" smtClean="0"/>
-              <a:t>前以外のステップ</a:t>
-            </a:r>
-            <a:endParaRPr kumimoji="1" lang="ja-JP" altLang="en-US" dirty="0"/>
-          </a:p>
-        </p:txBody>
-      </p:sp>
-      <p:cxnSp>
-        <p:nvCxnSpPr>
-          <p:cNvPr id="15" name="直線矢印コネクタ 14"/>
-          <p:cNvCxnSpPr>
-            <a:stCxn id="5" idx="3"/>
-            <a:endCxn id="13" idx="1"/>
-          </p:cNvCxnSpPr>
-          <p:nvPr/>
-        </p:nvCxnSpPr>
-        <p:spPr>
-          <a:xfrm flipV="1">
-            <a:off x="6130290" y="1608773"/>
-            <a:ext cx="861460" cy="1054283"/>
+            <a:off x="3069772" y="3025207"/>
+            <a:ext cx="715734" cy="0"/>
           </a:xfrm>
           <a:prstGeom prst="straightConnector1">
             <a:avLst/>
           </a:prstGeom>
           <a:ln>
-            <a:tailEnd type="arrow"/>
-          </a:ln>
-        </p:spPr>
-        <p:style>
-          <a:lnRef idx="1">
-            <a:schemeClr val="accent1"/>
-          </a:lnRef>
-          <a:fillRef idx="0">
-            <a:schemeClr val="accent1"/>
-          </a:fillRef>
-          <a:effectRef idx="0">
-            <a:schemeClr val="accent1"/>
-          </a:effectRef>
-          <a:fontRef idx="minor">
-            <a:schemeClr val="tx1"/>
-          </a:fontRef>
-        </p:style>
-      </p:cxnSp>
-      <p:sp>
-        <p:nvSpPr>
-          <p:cNvPr id="16" name="正方形/長方形 15"/>
-          <p:cNvSpPr/>
-          <p:nvPr/>
-        </p:nvSpPr>
-        <p:spPr>
-          <a:xfrm>
-            <a:off x="7006128" y="2108500"/>
-            <a:ext cx="2163536" cy="856569"/>
-          </a:xfrm>
-          <a:prstGeom prst="rect">
-            <a:avLst/>
-          </a:prstGeom>
-        </p:spPr>
-        <p:style>
-          <a:lnRef idx="2">
-            <a:schemeClr val="accent1">
-              <a:shade val="50000"/>
-            </a:schemeClr>
-          </a:lnRef>
-          <a:fillRef idx="1">
-            <a:schemeClr val="accent1"/>
-          </a:fillRef>
-          <a:effectRef idx="0">
-            <a:schemeClr val="accent1"/>
-          </a:effectRef>
-          <a:fontRef idx="minor">
-            <a:schemeClr val="lt1"/>
-          </a:fontRef>
-        </p:style>
-        <p:txBody>
-          <a:bodyPr rtlCol="0" anchor="ctr"/>
-          <a:lstStyle/>
-          <a:p>
-            <a:pPr algn="ctr"/>
-            <a:r>
-              <a:rPr lang="ja-JP" altLang="en-US" dirty="0" smtClean="0"/>
-              <a:t>格闘か前格闘</a:t>
-            </a:r>
-            <a:endParaRPr kumimoji="1" lang="ja-JP" altLang="en-US" dirty="0"/>
-          </a:p>
-        </p:txBody>
-      </p:sp>
-      <p:cxnSp>
-        <p:nvCxnSpPr>
-          <p:cNvPr id="18" name="直線矢印コネクタ 17"/>
-          <p:cNvCxnSpPr>
-            <a:stCxn id="5" idx="3"/>
-            <a:endCxn id="16" idx="1"/>
-          </p:cNvCxnSpPr>
-          <p:nvPr/>
-        </p:nvCxnSpPr>
-        <p:spPr>
-          <a:xfrm flipV="1">
-            <a:off x="6130290" y="2536785"/>
-            <a:ext cx="875838" cy="126271"/>
-          </a:xfrm>
-          <a:prstGeom prst="straightConnector1">
-            <a:avLst/>
-          </a:prstGeom>
-          <a:ln>
-            <a:tailEnd type="arrow"/>
+            <a:tailEnd type="triangle"/>
           </a:ln>
         </p:spPr>
         <p:style>
@@ -5104,24 +4316,153 @@
       </p:cxnSp>
       <p:cxnSp>
         <p:nvCxnSpPr>
-          <p:cNvPr id="22" name="図形 21"/>
+          <p:cNvPr id="14" name="直線矢印コネクタ 13"/>
           <p:cNvCxnSpPr>
-            <a:stCxn id="13" idx="3"/>
-            <a:endCxn id="4" idx="1"/>
+            <a:stCxn id="4" idx="3"/>
+            <a:endCxn id="25" idx="1"/>
           </p:cNvCxnSpPr>
           <p:nvPr/>
         </p:nvCxnSpPr>
         <p:spPr>
-          <a:xfrm flipH="1">
-            <a:off x="906236" y="1608773"/>
-            <a:ext cx="8249050" cy="1416434"/>
-          </a:xfrm>
-          <a:prstGeom prst="bentConnector5">
-            <a:avLst>
-              <a:gd name="adj1" fmla="val -2771"/>
-              <a:gd name="adj2" fmla="val -105695"/>
-              <a:gd name="adj3" fmla="val 102771"/>
-            </a:avLst>
+          <a:xfrm>
+            <a:off x="3069772" y="3025207"/>
+            <a:ext cx="757871" cy="1238258"/>
+          </a:xfrm>
+          <a:prstGeom prst="straightConnector1">
+            <a:avLst/>
+          </a:prstGeom>
+          <a:ln>
+            <a:tailEnd type="triangle"/>
+          </a:ln>
+        </p:spPr>
+        <p:style>
+          <a:lnRef idx="1">
+            <a:schemeClr val="accent1"/>
+          </a:lnRef>
+          <a:fillRef idx="0">
+            <a:schemeClr val="accent1"/>
+          </a:fillRef>
+          <a:effectRef idx="0">
+            <a:schemeClr val="accent1"/>
+          </a:effectRef>
+          <a:fontRef idx="minor">
+            <a:schemeClr val="tx1"/>
+          </a:fontRef>
+        </p:style>
+      </p:cxnSp>
+      <p:sp>
+        <p:nvSpPr>
+          <p:cNvPr id="10" name="テキスト ボックス 9"/>
+          <p:cNvSpPr txBox="1"/>
+          <p:nvPr/>
+        </p:nvSpPr>
+        <p:spPr>
+          <a:xfrm>
+            <a:off x="3437640" y="228345"/>
+            <a:ext cx="10205049" cy="646331"/>
+          </a:xfrm>
+          <a:prstGeom prst="rect">
+            <a:avLst/>
+          </a:prstGeom>
+          <a:noFill/>
+        </p:spPr>
+        <p:txBody>
+          <a:bodyPr wrap="square" rtlCol="0">
+            <a:spAutoFit/>
+          </a:bodyPr>
+          <a:lstStyle/>
+          <a:p>
+            <a:r>
+              <a:rPr kumimoji="1" lang="ja-JP" altLang="en-US" dirty="0" smtClean="0"/>
+              <a:t>飛び越えられる壁（タグ名称：</a:t>
+            </a:r>
+            <a:r>
+              <a:rPr kumimoji="1" lang="en-US" altLang="ja-JP" dirty="0" err="1" smtClean="0"/>
+              <a:t>Jumpover</a:t>
+            </a:r>
+            <a:r>
+              <a:rPr kumimoji="1" lang="ja-JP" altLang="en-US" dirty="0" smtClean="0"/>
+              <a:t>）</a:t>
+            </a:r>
+            <a:endParaRPr kumimoji="1" lang="en-US" altLang="ja-JP" dirty="0" smtClean="0"/>
+          </a:p>
+          <a:p>
+            <a:r>
+              <a:rPr lang="ja-JP" altLang="en-US" dirty="0" smtClean="0"/>
+              <a:t>飛び越えられない壁（タグ名称：</a:t>
+            </a:r>
+            <a:r>
+              <a:rPr lang="en-US" altLang="ja-JP" dirty="0" err="1" smtClean="0"/>
+              <a:t>unjumpover</a:t>
+            </a:r>
+            <a:r>
+              <a:rPr lang="en-US" altLang="ja-JP" dirty="0" smtClean="0"/>
+              <a:t>)</a:t>
+            </a:r>
+            <a:endParaRPr kumimoji="1" lang="ja-JP" altLang="en-US" dirty="0"/>
+          </a:p>
+        </p:txBody>
+      </p:sp>
+      <p:sp>
+        <p:nvSpPr>
+          <p:cNvPr id="11" name="正方形/長方形 10"/>
+          <p:cNvSpPr/>
+          <p:nvPr/>
+        </p:nvSpPr>
+        <p:spPr>
+          <a:xfrm>
+            <a:off x="6603468" y="1456030"/>
+            <a:ext cx="2163536" cy="856569"/>
+          </a:xfrm>
+          <a:prstGeom prst="rect">
+            <a:avLst/>
+          </a:prstGeom>
+        </p:spPr>
+        <p:style>
+          <a:lnRef idx="2">
+            <a:schemeClr val="accent1">
+              <a:shade val="50000"/>
+            </a:schemeClr>
+          </a:lnRef>
+          <a:fillRef idx="1">
+            <a:schemeClr val="accent1"/>
+          </a:fillRef>
+          <a:effectRef idx="0">
+            <a:schemeClr val="accent1"/>
+          </a:effectRef>
+          <a:fontRef idx="minor">
+            <a:schemeClr val="lt1"/>
+          </a:fontRef>
+        </p:style>
+        <p:txBody>
+          <a:bodyPr rtlCol="0" anchor="ctr"/>
+          <a:lstStyle/>
+          <a:p>
+            <a:pPr algn="ctr"/>
+            <a:r>
+              <a:rPr kumimoji="1" lang="ja-JP" altLang="en-US" dirty="0" smtClean="0"/>
+              <a:t>着地した後、引っかからなくなるまで上昇</a:t>
+            </a:r>
+            <a:endParaRPr kumimoji="1" lang="en-US" altLang="ja-JP" dirty="0" smtClean="0"/>
+          </a:p>
+        </p:txBody>
+      </p:sp>
+      <p:cxnSp>
+        <p:nvCxnSpPr>
+          <p:cNvPr id="15" name="直線矢印コネクタ 14"/>
+          <p:cNvCxnSpPr>
+            <a:stCxn id="5" idx="3"/>
+            <a:endCxn id="11" idx="1"/>
+          </p:cNvCxnSpPr>
+          <p:nvPr/>
+        </p:nvCxnSpPr>
+        <p:spPr>
+          <a:xfrm flipV="1">
+            <a:off x="5949042" y="1884315"/>
+            <a:ext cx="654426" cy="11499"/>
+          </a:xfrm>
+          <a:prstGeom prst="straightConnector1">
+            <a:avLst/>
           </a:prstGeom>
           <a:ln>
             <a:tailEnd type="arrow"/>
@@ -5144,23 +4485,23 @@
       </p:cxnSp>
       <p:cxnSp>
         <p:nvCxnSpPr>
-          <p:cNvPr id="28" name="図形 27"/>
+          <p:cNvPr id="17" name="図形 16"/>
           <p:cNvCxnSpPr>
-            <a:stCxn id="16" idx="3"/>
+            <a:stCxn id="11" idx="3"/>
             <a:endCxn id="4" idx="1"/>
           </p:cNvCxnSpPr>
           <p:nvPr/>
         </p:nvCxnSpPr>
         <p:spPr>
           <a:xfrm flipH="1">
-            <a:off x="906236" y="2536785"/>
-            <a:ext cx="8263428" cy="488422"/>
+            <a:off x="906236" y="1884315"/>
+            <a:ext cx="7860768" cy="1140892"/>
           </a:xfrm>
           <a:prstGeom prst="bentConnector5">
             <a:avLst>
-              <a:gd name="adj1" fmla="val -2766"/>
-              <a:gd name="adj2" fmla="val 622687"/>
-              <a:gd name="adj3" fmla="val 102766"/>
+              <a:gd name="adj1" fmla="val -2908"/>
+              <a:gd name="adj2" fmla="val -49807"/>
+              <a:gd name="adj3" fmla="val 102908"/>
             </a:avLst>
           </a:prstGeom>
           <a:ln>
@@ -5184,13 +4525,13 @@
       </p:cxnSp>
       <p:sp>
         <p:nvSpPr>
-          <p:cNvPr id="32" name="正方形/長方形 31"/>
+          <p:cNvPr id="18" name="正方形/長方形 17"/>
           <p:cNvSpPr/>
           <p:nvPr/>
         </p:nvSpPr>
         <p:spPr>
           <a:xfrm>
-            <a:off x="9463523" y="3399171"/>
+            <a:off x="6600600" y="2609046"/>
             <a:ext cx="2163536" cy="856569"/>
           </a:xfrm>
           <a:prstGeom prst="rect">
@@ -5219,20 +4560,8 @@
           <a:p>
             <a:pPr algn="ctr"/>
             <a:r>
-              <a:rPr kumimoji="1" lang="ja-JP" altLang="en-US" dirty="0" smtClean="0"/>
-              <a:t>左右</a:t>
-            </a:r>
-            <a:r>
-              <a:rPr lang="ja-JP" altLang="en-US" dirty="0" smtClean="0"/>
-              <a:t>正面いずれかから</a:t>
-            </a:r>
-            <a:r>
-              <a:rPr kumimoji="1" lang="ja-JP" altLang="en-US" dirty="0" smtClean="0"/>
-              <a:t>ビームずん</a:t>
-            </a:r>
-            <a:r>
-              <a:rPr kumimoji="1" lang="ja-JP" altLang="en-US" dirty="0" err="1" smtClean="0"/>
-              <a:t>だ</a:t>
+              <a:rPr lang="ja-JP" altLang="en-US" dirty="0" smtClean="0"/>
+              <a:t>ランダムで左右どちらかへ引っかからなくなるまで移動</a:t>
             </a:r>
             <a:endParaRPr kumimoji="1" lang="en-US" altLang="ja-JP" dirty="0" smtClean="0"/>
           </a:p>
@@ -5240,17 +4569,17 @@
       </p:sp>
       <p:cxnSp>
         <p:nvCxnSpPr>
-          <p:cNvPr id="35" name="直線矢印コネクタ 34"/>
+          <p:cNvPr id="22" name="直線矢印コネクタ 21"/>
           <p:cNvCxnSpPr>
             <a:stCxn id="6" idx="3"/>
-            <a:endCxn id="32" idx="1"/>
+            <a:endCxn id="18" idx="1"/>
           </p:cNvCxnSpPr>
           <p:nvPr/>
         </p:nvCxnSpPr>
         <p:spPr>
-          <a:xfrm flipV="1">
-            <a:off x="8544551" y="3827456"/>
-            <a:ext cx="918972" cy="5766"/>
+          <a:xfrm>
+            <a:off x="5949042" y="3025207"/>
+            <a:ext cx="651558" cy="12124"/>
           </a:xfrm>
           <a:prstGeom prst="straightConnector1">
             <a:avLst/>
@@ -5274,15 +4603,55 @@
           </a:fontRef>
         </p:style>
       </p:cxnSp>
-      <p:sp>
-        <p:nvSpPr>
-          <p:cNvPr id="38" name="正方形/長方形 37"/>
+      <p:cxnSp>
+        <p:nvCxnSpPr>
+          <p:cNvPr id="24" name="図形 23"/>
+          <p:cNvCxnSpPr>
+            <a:stCxn id="18" idx="3"/>
+            <a:endCxn id="4" idx="1"/>
+          </p:cNvCxnSpPr>
+          <p:nvPr/>
+        </p:nvCxnSpPr>
+        <p:spPr>
+          <a:xfrm flipH="1" flipV="1">
+            <a:off x="906236" y="3025207"/>
+            <a:ext cx="7857900" cy="12124"/>
+          </a:xfrm>
+          <a:prstGeom prst="bentConnector5">
+            <a:avLst>
+              <a:gd name="adj1" fmla="val -2909"/>
+              <a:gd name="adj2" fmla="val 14269701"/>
+              <a:gd name="adj3" fmla="val 102909"/>
+            </a:avLst>
+          </a:prstGeom>
+          <a:ln>
+            <a:tailEnd type="arrow"/>
+          </a:ln>
+        </p:spPr>
+        <p:style>
+          <a:lnRef idx="1">
+            <a:schemeClr val="accent1"/>
+          </a:lnRef>
+          <a:fillRef idx="0">
+            <a:schemeClr val="accent1"/>
+          </a:fillRef>
+          <a:effectRef idx="0">
+            <a:schemeClr val="accent1"/>
+          </a:effectRef>
+          <a:fontRef idx="minor">
+            <a:schemeClr val="tx1"/>
+          </a:fontRef>
+        </p:style>
+      </p:cxnSp>
+      <p:sp>
+        <p:nvSpPr>
+          <p:cNvPr id="25" name="正方形/長方形 24"/>
           <p:cNvSpPr/>
           <p:nvPr/>
         </p:nvSpPr>
         <p:spPr>
           <a:xfrm>
-            <a:off x="9477899" y="4664378"/>
+            <a:off x="3827643" y="3835180"/>
             <a:ext cx="2163536" cy="856569"/>
           </a:xfrm>
           <a:prstGeom prst="rect">
@@ -5312,29 +4681,84 @@
             <a:pPr algn="ctr"/>
             <a:r>
               <a:rPr kumimoji="1" lang="ja-JP" altLang="en-US" dirty="0" smtClean="0"/>
-              <a:t>撃たずに</a:t>
-            </a:r>
-            <a:r>
-              <a:rPr lang="ja-JP" altLang="en-US" dirty="0" smtClean="0"/>
-              <a:t>逃げる</a:t>
+              <a:t>赤ロックになった</a:t>
             </a:r>
             <a:endParaRPr kumimoji="1" lang="en-US" altLang="ja-JP" dirty="0" smtClean="0"/>
+          </a:p>
+        </p:txBody>
+      </p:sp>
+      <p:sp>
+        <p:nvSpPr>
+          <p:cNvPr id="26" name="テキスト ボックス 25"/>
+          <p:cNvSpPr txBox="1"/>
+          <p:nvPr/>
+        </p:nvSpPr>
+        <p:spPr>
+          <a:xfrm>
+            <a:off x="8842103" y="1630402"/>
+            <a:ext cx="646331" cy="369332"/>
+          </a:xfrm>
+          <a:prstGeom prst="rect">
+            <a:avLst/>
+          </a:prstGeom>
+          <a:noFill/>
+        </p:spPr>
+        <p:txBody>
+          <a:bodyPr wrap="none" rtlCol="0">
+            <a:spAutoFit/>
+          </a:bodyPr>
+          <a:lstStyle/>
+          <a:p>
+            <a:r>
+              <a:rPr kumimoji="1" lang="ja-JP" altLang="en-US" dirty="0" smtClean="0"/>
+              <a:t>終了</a:t>
+            </a:r>
+            <a:endParaRPr kumimoji="1" lang="ja-JP" altLang="en-US" dirty="0"/>
+          </a:p>
+        </p:txBody>
+      </p:sp>
+      <p:sp>
+        <p:nvSpPr>
+          <p:cNvPr id="27" name="テキスト ボックス 26"/>
+          <p:cNvSpPr txBox="1"/>
+          <p:nvPr/>
+        </p:nvSpPr>
+        <p:spPr>
+          <a:xfrm>
+            <a:off x="8856487" y="2731662"/>
+            <a:ext cx="646331" cy="369332"/>
+          </a:xfrm>
+          <a:prstGeom prst="rect">
+            <a:avLst/>
+          </a:prstGeom>
+          <a:noFill/>
+        </p:spPr>
+        <p:txBody>
+          <a:bodyPr wrap="none" rtlCol="0">
+            <a:spAutoFit/>
+          </a:bodyPr>
+          <a:lstStyle/>
+          <a:p>
+            <a:r>
+              <a:rPr kumimoji="1" lang="ja-JP" altLang="en-US" dirty="0" smtClean="0"/>
+              <a:t>終了</a:t>
+            </a:r>
+            <a:endParaRPr kumimoji="1" lang="ja-JP" altLang="en-US" dirty="0"/>
           </a:p>
         </p:txBody>
       </p:sp>
       <p:cxnSp>
         <p:nvCxnSpPr>
-          <p:cNvPr id="40" name="直線矢印コネクタ 39"/>
+          <p:cNvPr id="31" name="直線矢印コネクタ 30"/>
           <p:cNvCxnSpPr>
-            <a:stCxn id="6" idx="3"/>
-            <a:endCxn id="38" idx="1"/>
+            <a:stCxn id="25" idx="3"/>
           </p:cNvCxnSpPr>
           <p:nvPr/>
         </p:nvCxnSpPr>
         <p:spPr>
           <a:xfrm>
-            <a:off x="8544551" y="3833222"/>
-            <a:ext cx="933348" cy="1259441"/>
+            <a:off x="5991179" y="4263465"/>
+            <a:ext cx="641531" cy="2043"/>
           </a:xfrm>
           <a:prstGeom prst="straightConnector1">
             <a:avLst/>
@@ -5360,13 +4784,51 @@
       </p:cxnSp>
       <p:sp>
         <p:nvSpPr>
-          <p:cNvPr id="42" name="正方形/長方形 41"/>
+          <p:cNvPr id="32" name="テキスト ボックス 31"/>
+          <p:cNvSpPr txBox="1"/>
+          <p:nvPr/>
+        </p:nvSpPr>
+        <p:spPr>
+          <a:xfrm>
+            <a:off x="6710348" y="4098815"/>
+            <a:ext cx="1483744" cy="369332"/>
+          </a:xfrm>
+          <a:prstGeom prst="rect">
+            <a:avLst/>
+          </a:prstGeom>
+          <a:noFill/>
+        </p:spPr>
+        <p:txBody>
+          <a:bodyPr wrap="square" rtlCol="0">
+            <a:spAutoFit/>
+          </a:bodyPr>
+          <a:lstStyle/>
+          <a:p>
+            <a:r>
+              <a:rPr kumimoji="1" lang="ja-JP" altLang="en-US" dirty="0" smtClean="0"/>
+              <a:t>通常時</a:t>
+            </a:r>
+            <a:r>
+              <a:rPr kumimoji="1" lang="en-US" altLang="ja-JP" dirty="0" smtClean="0"/>
+              <a:t>2</a:t>
+            </a:r>
+            <a:r>
+              <a:rPr kumimoji="1" lang="ja-JP" altLang="en-US" dirty="0" smtClean="0"/>
+              <a:t>へ</a:t>
+            </a:r>
+            <a:endParaRPr kumimoji="1" lang="ja-JP" altLang="en-US" dirty="0"/>
+          </a:p>
+        </p:txBody>
+      </p:sp>
+      <p:sp>
+        <p:nvSpPr>
+          <p:cNvPr id="37" name="正方形/長方形 36"/>
           <p:cNvSpPr/>
           <p:nvPr/>
         </p:nvSpPr>
         <p:spPr>
           <a:xfrm>
-            <a:off x="3971489" y="3402042"/>
+            <a:off x="3799883" y="4983911"/>
             <a:ext cx="2163536" cy="856569"/>
           </a:xfrm>
           <a:prstGeom prst="rect">
@@ -5396,25 +4858,25 @@
             <a:pPr algn="ctr"/>
             <a:r>
               <a:rPr kumimoji="1" lang="ja-JP" altLang="en-US" dirty="0" smtClean="0"/>
-              <a:t>範囲内か？</a:t>
-            </a:r>
-            <a:endParaRPr kumimoji="1" lang="ja-JP" altLang="en-US" dirty="0"/>
+              <a:t>敵が索敵コライダの範囲外に出た</a:t>
+            </a:r>
+            <a:endParaRPr kumimoji="1" lang="en-US" altLang="ja-JP" dirty="0" smtClean="0"/>
           </a:p>
         </p:txBody>
       </p:sp>
       <p:cxnSp>
         <p:nvCxnSpPr>
-          <p:cNvPr id="44" name="直線矢印コネクタ 43"/>
+          <p:cNvPr id="39" name="直線矢印コネクタ 38"/>
           <p:cNvCxnSpPr>
-            <a:stCxn id="42" idx="3"/>
-            <a:endCxn id="6" idx="1"/>
+            <a:stCxn id="4" idx="3"/>
+            <a:endCxn id="37" idx="1"/>
           </p:cNvCxnSpPr>
           <p:nvPr/>
         </p:nvCxnSpPr>
         <p:spPr>
           <a:xfrm>
-            <a:off x="6135025" y="3830327"/>
-            <a:ext cx="245990" cy="2895"/>
+            <a:off x="3069772" y="3025207"/>
+            <a:ext cx="730111" cy="2386989"/>
           </a:xfrm>
           <a:prstGeom prst="straightConnector1">
             <a:avLst/>
@@ -5438,68 +4900,21 @@
           </a:fontRef>
         </p:style>
       </p:cxnSp>
-      <p:sp>
-        <p:nvSpPr>
-          <p:cNvPr id="52" name="正方形/長方形 51"/>
-          <p:cNvSpPr/>
-          <p:nvPr/>
-        </p:nvSpPr>
-        <p:spPr>
-          <a:xfrm>
-            <a:off x="6257237" y="249086"/>
-            <a:ext cx="2163536" cy="856569"/>
-          </a:xfrm>
-          <a:prstGeom prst="rect">
-            <a:avLst/>
-          </a:prstGeom>
-        </p:spPr>
-        <p:style>
-          <a:lnRef idx="2">
-            <a:schemeClr val="accent1">
-              <a:shade val="50000"/>
-            </a:schemeClr>
-          </a:lnRef>
-          <a:fillRef idx="1">
-            <a:schemeClr val="accent1"/>
-          </a:fillRef>
-          <a:effectRef idx="0">
-            <a:schemeClr val="accent1"/>
-          </a:effectRef>
-          <a:fontRef idx="minor">
-            <a:schemeClr val="lt1"/>
-          </a:fontRef>
-        </p:style>
-        <p:txBody>
-          <a:bodyPr rtlCol="0" anchor="ctr"/>
-          <a:lstStyle/>
-          <a:p>
-            <a:pPr algn="ctr"/>
-            <a:r>
-              <a:rPr kumimoji="1" lang="ja-JP" altLang="en-US" dirty="0" smtClean="0"/>
-              <a:t>相手が自分の上か下？</a:t>
-            </a:r>
-            <a:endParaRPr kumimoji="1" lang="ja-JP" altLang="en-US" dirty="0"/>
-          </a:p>
-        </p:txBody>
-      </p:sp>
       <p:cxnSp>
         <p:nvCxnSpPr>
-          <p:cNvPr id="55" name="カギ線コネクタ 54"/>
+          <p:cNvPr id="41" name="直線矢印コネクタ 40"/>
           <p:cNvCxnSpPr>
-            <a:stCxn id="4" idx="3"/>
-            <a:endCxn id="52" idx="1"/>
+            <a:stCxn id="37" idx="3"/>
           </p:cNvCxnSpPr>
           <p:nvPr/>
         </p:nvCxnSpPr>
         <p:spPr>
           <a:xfrm flipV="1">
-            <a:off x="3069772" y="677371"/>
-            <a:ext cx="3187465" cy="2347836"/>
-          </a:xfrm>
-          <a:prstGeom prst="bentConnector3">
-            <a:avLst>
-              <a:gd name="adj1" fmla="val 13297"/>
-            </a:avLst>
+            <a:off x="5963419" y="5409777"/>
+            <a:ext cx="1438045" cy="2419"/>
+          </a:xfrm>
+          <a:prstGeom prst="straightConnector1">
+            <a:avLst/>
           </a:prstGeom>
           <a:ln>
             <a:tailEnd type="arrow"/>
@@ -5522,94 +4937,14 @@
       </p:cxnSp>
       <p:sp>
         <p:nvSpPr>
-          <p:cNvPr id="59" name="正方形/長方形 58"/>
-          <p:cNvSpPr/>
-          <p:nvPr/>
-        </p:nvSpPr>
-        <p:spPr>
-          <a:xfrm>
-            <a:off x="9310058" y="243843"/>
-            <a:ext cx="2163536" cy="856569"/>
-          </a:xfrm>
-          <a:prstGeom prst="rect">
-            <a:avLst/>
-          </a:prstGeom>
-        </p:spPr>
-        <p:style>
-          <a:lnRef idx="2">
-            <a:schemeClr val="accent1">
-              <a:shade val="50000"/>
-            </a:schemeClr>
-          </a:lnRef>
-          <a:fillRef idx="1">
-            <a:schemeClr val="accent1"/>
-          </a:fillRef>
-          <a:effectRef idx="0">
-            <a:schemeClr val="accent1"/>
-          </a:effectRef>
-          <a:fontRef idx="minor">
-            <a:schemeClr val="lt1"/>
-          </a:fontRef>
-        </p:style>
-        <p:txBody>
-          <a:bodyPr rtlCol="0" anchor="ctr"/>
-          <a:lstStyle/>
-          <a:p>
-            <a:pPr algn="ctr"/>
-            <a:r>
-              <a:rPr lang="ja-JP" altLang="en-US" dirty="0" smtClean="0"/>
-              <a:t>前特格か後特格</a:t>
-            </a:r>
-            <a:endParaRPr kumimoji="1" lang="ja-JP" altLang="en-US" dirty="0"/>
-          </a:p>
-        </p:txBody>
-      </p:sp>
-      <p:cxnSp>
-        <p:nvCxnSpPr>
-          <p:cNvPr id="61" name="直線矢印コネクタ 60"/>
-          <p:cNvCxnSpPr>
-            <a:stCxn id="52" idx="3"/>
-            <a:endCxn id="59" idx="1"/>
-          </p:cNvCxnSpPr>
-          <p:nvPr/>
-        </p:nvCxnSpPr>
-        <p:spPr>
-          <a:xfrm flipV="1">
-            <a:off x="8420773" y="672128"/>
-            <a:ext cx="889285" cy="5243"/>
-          </a:xfrm>
-          <a:prstGeom prst="straightConnector1">
-            <a:avLst/>
-          </a:prstGeom>
-          <a:ln>
-            <a:tailEnd type="arrow"/>
-          </a:ln>
-        </p:spPr>
-        <p:style>
-          <a:lnRef idx="1">
-            <a:schemeClr val="accent1"/>
-          </a:lnRef>
-          <a:fillRef idx="0">
-            <a:schemeClr val="accent1"/>
-          </a:fillRef>
-          <a:effectRef idx="0">
-            <a:schemeClr val="accent1"/>
-          </a:effectRef>
-          <a:fontRef idx="minor">
-            <a:schemeClr val="tx1"/>
-          </a:fontRef>
-        </p:style>
-      </p:cxnSp>
-      <p:sp>
-        <p:nvSpPr>
-          <p:cNvPr id="62" name="テキスト ボックス 61"/>
+          <p:cNvPr id="42" name="テキスト ボックス 41"/>
           <p:cNvSpPr txBox="1"/>
           <p:nvPr/>
         </p:nvSpPr>
         <p:spPr>
           <a:xfrm>
-            <a:off x="3150333" y="2370655"/>
-            <a:ext cx="655608" cy="369332"/>
+            <a:off x="7479108" y="5233440"/>
+            <a:ext cx="1889185" cy="369332"/>
           </a:xfrm>
           <a:prstGeom prst="rect">
             <a:avLst/>
@@ -5623,54 +4958,19 @@
           <a:lstStyle/>
           <a:p>
             <a:r>
-              <a:rPr kumimoji="1" lang="en-US" altLang="ja-JP" dirty="0" smtClean="0"/>
-              <a:t>YES</a:t>
-            </a:r>
-            <a:endParaRPr kumimoji="1" lang="ja-JP" altLang="en-US" dirty="0"/>
-          </a:p>
-        </p:txBody>
-      </p:sp>
-      <p:cxnSp>
-        <p:nvCxnSpPr>
-          <p:cNvPr id="73" name="図形 72"/>
-          <p:cNvCxnSpPr>
-            <a:stCxn id="59" idx="3"/>
-            <a:endCxn id="4" idx="1"/>
-          </p:cNvCxnSpPr>
-          <p:nvPr/>
-        </p:nvCxnSpPr>
-        <p:spPr>
-          <a:xfrm flipH="1">
-            <a:off x="906236" y="672128"/>
-            <a:ext cx="10567358" cy="2353079"/>
-          </a:xfrm>
-          <a:prstGeom prst="bentConnector5">
-            <a:avLst>
-              <a:gd name="adj1" fmla="val -2163"/>
-              <a:gd name="adj2" fmla="val -23719"/>
-              <a:gd name="adj3" fmla="val 102163"/>
-            </a:avLst>
-          </a:prstGeom>
-          <a:ln>
-            <a:tailEnd type="arrow"/>
-          </a:ln>
-        </p:spPr>
-        <p:style>
-          <a:lnRef idx="1">
-            <a:schemeClr val="accent1"/>
-          </a:lnRef>
-          <a:fillRef idx="0">
-            <a:schemeClr val="accent1"/>
-          </a:fillRef>
-          <a:effectRef idx="0">
-            <a:schemeClr val="accent1"/>
-          </a:effectRef>
-          <a:fontRef idx="minor">
-            <a:schemeClr val="tx1"/>
-          </a:fontRef>
-        </p:style>
-      </p:cxnSp>
+              <a:rPr kumimoji="1" lang="ja-JP" altLang="en-US" dirty="0" smtClean="0"/>
+              <a:t>哨戒へ戻る</a:t>
+            </a:r>
+            <a:endParaRPr kumimoji="1" lang="en-US" altLang="ja-JP" dirty="0" smtClean="0"/>
+          </a:p>
+        </p:txBody>
+      </p:sp>
     </p:spTree>
+    <p:extLst>
+      <p:ext uri="{BB962C8B-B14F-4D97-AF65-F5344CB8AC3E}">
+        <p14:creationId xmlns:p14="http://schemas.microsoft.com/office/powerpoint/2010/main" val="1564463384"/>
+      </p:ext>
+    </p:extLst>
   </p:cSld>
   <p:clrMapOvr>
     <a:masterClrMapping/>
@@ -5697,12 +4997,12 @@
       </p:grpSpPr>
       <p:sp>
         <p:nvSpPr>
-          <p:cNvPr id="3" name="コンテンツ プレースホルダ 2"/>
-          <p:cNvSpPr>
-            <a:spLocks noGrp="1"/>
-          </p:cNvSpPr>
-          <p:nvPr>
-            <p:ph idx="1"/>
+          <p:cNvPr id="2" name="タイトル 1"/>
+          <p:cNvSpPr>
+            <a:spLocks noGrp="1"/>
+          </p:cNvSpPr>
+          <p:nvPr>
+            <p:ph type="title"/>
           </p:nvPr>
         </p:nvSpPr>
         <p:spPr/>
@@ -5712,36 +5012,15 @@
           <a:p>
             <a:r>
               <a:rPr kumimoji="1" lang="ja-JP" altLang="en-US" dirty="0" smtClean="0"/>
-              <a:t>現在は跳ね返って着地している（この時点で</a:t>
+              <a:t>通常時</a:t>
             </a:r>
             <a:r>
               <a:rPr kumimoji="1" lang="en-US" altLang="ja-JP" dirty="0" smtClean="0"/>
-              <a:t>NORMAL_RISE</a:t>
+              <a:t>2</a:t>
             </a:r>
             <a:r>
               <a:rPr kumimoji="1" lang="ja-JP" altLang="en-US" dirty="0" smtClean="0"/>
-              <a:t>３になっている→これがまず不味い。最低でも一回着陸してもらう必要がある）</a:t>
-            </a:r>
-            <a:endParaRPr kumimoji="1" lang="en-US" altLang="ja-JP" dirty="0" smtClean="0"/>
-          </a:p>
-          <a:p>
-            <a:r>
-              <a:rPr lang="ja-JP" altLang="en-US" dirty="0" smtClean="0"/>
-              <a:t>レイを正面に向けて飛ばす</a:t>
-            </a:r>
-            <a:endParaRPr lang="en-US" altLang="ja-JP" dirty="0" smtClean="0"/>
-          </a:p>
-          <a:p>
-            <a:r>
-              <a:rPr lang="ja-JP" altLang="en-US" dirty="0" smtClean="0"/>
-              <a:t>レイが壁に接触すると空中ダッシュ入力しないまま上昇開始</a:t>
-            </a:r>
-            <a:endParaRPr lang="en-US" altLang="ja-JP" dirty="0" smtClean="0"/>
-          </a:p>
-          <a:p>
-            <a:r>
-              <a:rPr kumimoji="1" lang="ja-JP" altLang="en-US" dirty="0" smtClean="0"/>
-              <a:t>レイとの接触距離が一定以上になると空中ダッシュへ移行</a:t>
+              <a:t>（赤ロック）</a:t>
             </a:r>
             <a:endParaRPr kumimoji="1" lang="ja-JP" altLang="en-US" dirty="0"/>
           </a:p>
@@ -5749,15 +5028,15 @@
       </p:sp>
       <p:sp>
         <p:nvSpPr>
-          <p:cNvPr id="4" name="タイトル 3"/>
-          <p:cNvSpPr>
-            <a:spLocks noGrp="1"/>
-          </p:cNvSpPr>
-          <p:nvPr>
-            <p:ph type="title"/>
-          </p:nvPr>
-        </p:nvSpPr>
-        <p:spPr>
+          <p:cNvPr id="4" name="正方形/長方形 3"/>
+          <p:cNvSpPr/>
+          <p:nvPr/>
+        </p:nvSpPr>
+        <p:spPr>
+          <a:xfrm>
+            <a:off x="906236" y="2596922"/>
+            <a:ext cx="2163536" cy="856569"/>
+          </a:xfrm>
           <a:prstGeom prst="rect">
             <a:avLst/>
           </a:prstGeom>
@@ -5785,12 +5064,969 @@
             <a:pPr algn="ctr"/>
             <a:r>
               <a:rPr kumimoji="1" lang="ja-JP" altLang="en-US" dirty="0" smtClean="0"/>
-              <a:t>着地した後、引っかからなくなるまで上昇</a:t>
+              <a:t>近接間合いか？</a:t>
+            </a:r>
+            <a:endParaRPr kumimoji="1" lang="ja-JP" altLang="en-US" dirty="0"/>
+          </a:p>
+        </p:txBody>
+      </p:sp>
+      <p:sp>
+        <p:nvSpPr>
+          <p:cNvPr id="5" name="正方形/長方形 4"/>
+          <p:cNvSpPr/>
+          <p:nvPr/>
+        </p:nvSpPr>
+        <p:spPr>
+          <a:xfrm>
+            <a:off x="3966754" y="2234771"/>
+            <a:ext cx="2163536" cy="856569"/>
+          </a:xfrm>
+          <a:prstGeom prst="rect">
+            <a:avLst/>
+          </a:prstGeom>
+        </p:spPr>
+        <p:style>
+          <a:lnRef idx="2">
+            <a:schemeClr val="accent1">
+              <a:shade val="50000"/>
+            </a:schemeClr>
+          </a:lnRef>
+          <a:fillRef idx="1">
+            <a:schemeClr val="accent1"/>
+          </a:fillRef>
+          <a:effectRef idx="0">
+            <a:schemeClr val="accent1"/>
+          </a:effectRef>
+          <a:fontRef idx="minor">
+            <a:schemeClr val="lt1"/>
+          </a:fontRef>
+        </p:style>
+        <p:txBody>
+          <a:bodyPr rtlCol="0" anchor="ctr"/>
+          <a:lstStyle/>
+          <a:p>
+            <a:pPr algn="ctr"/>
+            <a:r>
+              <a:rPr kumimoji="1" lang="ja-JP" altLang="en-US" dirty="0" smtClean="0"/>
+              <a:t>相手が格闘を振っているか？</a:t>
+            </a:r>
+            <a:endParaRPr kumimoji="1" lang="ja-JP" altLang="en-US" dirty="0"/>
+          </a:p>
+        </p:txBody>
+      </p:sp>
+      <p:sp>
+        <p:nvSpPr>
+          <p:cNvPr id="6" name="正方形/長方形 5"/>
+          <p:cNvSpPr/>
+          <p:nvPr/>
+        </p:nvSpPr>
+        <p:spPr>
+          <a:xfrm>
+            <a:off x="6381015" y="3404937"/>
+            <a:ext cx="2163536" cy="856569"/>
+          </a:xfrm>
+          <a:prstGeom prst="rect">
+            <a:avLst/>
+          </a:prstGeom>
+        </p:spPr>
+        <p:style>
+          <a:lnRef idx="2">
+            <a:schemeClr val="accent1">
+              <a:shade val="50000"/>
+            </a:schemeClr>
+          </a:lnRef>
+          <a:fillRef idx="1">
+            <a:schemeClr val="accent1"/>
+          </a:fillRef>
+          <a:effectRef idx="0">
+            <a:schemeClr val="accent1"/>
+          </a:effectRef>
+          <a:fontRef idx="minor">
+            <a:schemeClr val="lt1"/>
+          </a:fontRef>
+        </p:style>
+        <p:txBody>
+          <a:bodyPr rtlCol="0" anchor="ctr"/>
+          <a:lstStyle/>
+          <a:p>
+            <a:pPr algn="ctr"/>
+            <a:r>
+              <a:rPr kumimoji="1" lang="ja-JP" altLang="en-US" dirty="0" smtClean="0"/>
+              <a:t>弾が</a:t>
+            </a:r>
+            <a:r>
+              <a:rPr kumimoji="1" lang="en-US" altLang="ja-JP" dirty="0" smtClean="0"/>
+              <a:t>1</a:t>
+            </a:r>
+            <a:r>
+              <a:rPr kumimoji="1" lang="ja-JP" altLang="en-US" dirty="0" smtClean="0"/>
+              <a:t>発以上あるか？</a:t>
+            </a:r>
+            <a:endParaRPr kumimoji="1" lang="ja-JP" altLang="en-US" dirty="0"/>
+          </a:p>
+        </p:txBody>
+      </p:sp>
+      <p:cxnSp>
+        <p:nvCxnSpPr>
+          <p:cNvPr id="8" name="カギ線コネクタ 7"/>
+          <p:cNvCxnSpPr/>
+          <p:nvPr/>
+        </p:nvCxnSpPr>
+        <p:spPr>
+          <a:xfrm>
+            <a:off x="3056325" y="3025207"/>
+            <a:ext cx="881126" cy="796295"/>
+          </a:xfrm>
+          <a:prstGeom prst="bentConnector3">
+            <a:avLst>
+              <a:gd name="adj1" fmla="val 50000"/>
+            </a:avLst>
+          </a:prstGeom>
+          <a:ln>
+            <a:tailEnd type="arrow"/>
+          </a:ln>
+        </p:spPr>
+        <p:style>
+          <a:lnRef idx="1">
+            <a:schemeClr val="accent1"/>
+          </a:lnRef>
+          <a:fillRef idx="0">
+            <a:schemeClr val="accent1"/>
+          </a:fillRef>
+          <a:effectRef idx="0">
+            <a:schemeClr val="accent1"/>
+          </a:effectRef>
+          <a:fontRef idx="minor">
+            <a:schemeClr val="tx1"/>
+          </a:fontRef>
+        </p:style>
+      </p:cxnSp>
+      <p:cxnSp>
+        <p:nvCxnSpPr>
+          <p:cNvPr id="10" name="カギ線コネクタ 9"/>
+          <p:cNvCxnSpPr>
+            <a:stCxn id="4" idx="3"/>
+            <a:endCxn id="5" idx="1"/>
+          </p:cNvCxnSpPr>
+          <p:nvPr/>
+        </p:nvCxnSpPr>
+        <p:spPr>
+          <a:xfrm flipV="1">
+            <a:off x="3069772" y="2663056"/>
+            <a:ext cx="896982" cy="362151"/>
+          </a:xfrm>
+          <a:prstGeom prst="bentConnector3">
+            <a:avLst>
+              <a:gd name="adj1" fmla="val 47002"/>
+            </a:avLst>
+          </a:prstGeom>
+          <a:ln>
+            <a:tailEnd type="arrow"/>
+          </a:ln>
+        </p:spPr>
+        <p:style>
+          <a:lnRef idx="1">
+            <a:schemeClr val="accent1"/>
+          </a:lnRef>
+          <a:fillRef idx="0">
+            <a:schemeClr val="accent1"/>
+          </a:fillRef>
+          <a:effectRef idx="0">
+            <a:schemeClr val="accent1"/>
+          </a:effectRef>
+          <a:fontRef idx="minor">
+            <a:schemeClr val="tx1"/>
+          </a:fontRef>
+        </p:style>
+      </p:cxnSp>
+      <p:sp>
+        <p:nvSpPr>
+          <p:cNvPr id="11" name="テキスト ボックス 10"/>
+          <p:cNvSpPr txBox="1"/>
+          <p:nvPr/>
+        </p:nvSpPr>
+        <p:spPr>
+          <a:xfrm>
+            <a:off x="5472191" y="214646"/>
+            <a:ext cx="655608" cy="369332"/>
+          </a:xfrm>
+          <a:prstGeom prst="rect">
+            <a:avLst/>
+          </a:prstGeom>
+          <a:noFill/>
+        </p:spPr>
+        <p:txBody>
+          <a:bodyPr wrap="square" rtlCol="0">
+            <a:spAutoFit/>
+          </a:bodyPr>
+          <a:lstStyle/>
+          <a:p>
+            <a:r>
+              <a:rPr kumimoji="1" lang="en-US" altLang="ja-JP" dirty="0" smtClean="0"/>
+              <a:t>YES</a:t>
+            </a:r>
+            <a:endParaRPr kumimoji="1" lang="ja-JP" altLang="en-US" dirty="0"/>
+          </a:p>
+        </p:txBody>
+      </p:sp>
+      <p:sp>
+        <p:nvSpPr>
+          <p:cNvPr id="12" name="テキスト ボックス 11"/>
+          <p:cNvSpPr txBox="1"/>
+          <p:nvPr/>
+        </p:nvSpPr>
+        <p:spPr>
+          <a:xfrm>
+            <a:off x="3209026" y="4011283"/>
+            <a:ext cx="543465" cy="369332"/>
+          </a:xfrm>
+          <a:prstGeom prst="rect">
+            <a:avLst/>
+          </a:prstGeom>
+          <a:noFill/>
+        </p:spPr>
+        <p:txBody>
+          <a:bodyPr wrap="square" rtlCol="0">
+            <a:spAutoFit/>
+          </a:bodyPr>
+          <a:lstStyle/>
+          <a:p>
+            <a:r>
+              <a:rPr kumimoji="1" lang="en-US" altLang="ja-JP" dirty="0" smtClean="0"/>
+              <a:t>No</a:t>
+            </a:r>
+            <a:endParaRPr kumimoji="1" lang="ja-JP" altLang="en-US" dirty="0"/>
+          </a:p>
+        </p:txBody>
+      </p:sp>
+      <p:sp>
+        <p:nvSpPr>
+          <p:cNvPr id="13" name="正方形/長方形 12"/>
+          <p:cNvSpPr/>
+          <p:nvPr/>
+        </p:nvSpPr>
+        <p:spPr>
+          <a:xfrm>
+            <a:off x="6991750" y="1180488"/>
+            <a:ext cx="2163536" cy="856569"/>
+          </a:xfrm>
+          <a:prstGeom prst="rect">
+            <a:avLst/>
+          </a:prstGeom>
+        </p:spPr>
+        <p:style>
+          <a:lnRef idx="2">
+            <a:schemeClr val="accent1">
+              <a:shade val="50000"/>
+            </a:schemeClr>
+          </a:lnRef>
+          <a:fillRef idx="1">
+            <a:schemeClr val="accent1"/>
+          </a:fillRef>
+          <a:effectRef idx="0">
+            <a:schemeClr val="accent1"/>
+          </a:effectRef>
+          <a:fontRef idx="minor">
+            <a:schemeClr val="lt1"/>
+          </a:fontRef>
+        </p:style>
+        <p:txBody>
+          <a:bodyPr rtlCol="0" anchor="ctr"/>
+          <a:lstStyle/>
+          <a:p>
+            <a:pPr algn="ctr"/>
+            <a:r>
+              <a:rPr kumimoji="1" lang="ja-JP" altLang="en-US" dirty="0" smtClean="0"/>
+              <a:t>前以外のステップ</a:t>
+            </a:r>
+            <a:endParaRPr kumimoji="1" lang="ja-JP" altLang="en-US" dirty="0"/>
+          </a:p>
+        </p:txBody>
+      </p:sp>
+      <p:cxnSp>
+        <p:nvCxnSpPr>
+          <p:cNvPr id="15" name="直線矢印コネクタ 14"/>
+          <p:cNvCxnSpPr>
+            <a:stCxn id="5" idx="3"/>
+            <a:endCxn id="13" idx="1"/>
+          </p:cNvCxnSpPr>
+          <p:nvPr/>
+        </p:nvCxnSpPr>
+        <p:spPr>
+          <a:xfrm flipV="1">
+            <a:off x="6130290" y="1608773"/>
+            <a:ext cx="861460" cy="1054283"/>
+          </a:xfrm>
+          <a:prstGeom prst="straightConnector1">
+            <a:avLst/>
+          </a:prstGeom>
+          <a:ln>
+            <a:tailEnd type="arrow"/>
+          </a:ln>
+        </p:spPr>
+        <p:style>
+          <a:lnRef idx="1">
+            <a:schemeClr val="accent1"/>
+          </a:lnRef>
+          <a:fillRef idx="0">
+            <a:schemeClr val="accent1"/>
+          </a:fillRef>
+          <a:effectRef idx="0">
+            <a:schemeClr val="accent1"/>
+          </a:effectRef>
+          <a:fontRef idx="minor">
+            <a:schemeClr val="tx1"/>
+          </a:fontRef>
+        </p:style>
+      </p:cxnSp>
+      <p:sp>
+        <p:nvSpPr>
+          <p:cNvPr id="16" name="正方形/長方形 15"/>
+          <p:cNvSpPr/>
+          <p:nvPr/>
+        </p:nvSpPr>
+        <p:spPr>
+          <a:xfrm>
+            <a:off x="7006128" y="2108500"/>
+            <a:ext cx="2163536" cy="856569"/>
+          </a:xfrm>
+          <a:prstGeom prst="rect">
+            <a:avLst/>
+          </a:prstGeom>
+        </p:spPr>
+        <p:style>
+          <a:lnRef idx="2">
+            <a:schemeClr val="accent1">
+              <a:shade val="50000"/>
+            </a:schemeClr>
+          </a:lnRef>
+          <a:fillRef idx="1">
+            <a:schemeClr val="accent1"/>
+          </a:fillRef>
+          <a:effectRef idx="0">
+            <a:schemeClr val="accent1"/>
+          </a:effectRef>
+          <a:fontRef idx="minor">
+            <a:schemeClr val="lt1"/>
+          </a:fontRef>
+        </p:style>
+        <p:txBody>
+          <a:bodyPr rtlCol="0" anchor="ctr"/>
+          <a:lstStyle/>
+          <a:p>
+            <a:pPr algn="ctr"/>
+            <a:r>
+              <a:rPr lang="ja-JP" altLang="en-US" dirty="0" smtClean="0"/>
+              <a:t>格闘か前格闘</a:t>
+            </a:r>
+            <a:endParaRPr kumimoji="1" lang="ja-JP" altLang="en-US" dirty="0"/>
+          </a:p>
+        </p:txBody>
+      </p:sp>
+      <p:cxnSp>
+        <p:nvCxnSpPr>
+          <p:cNvPr id="18" name="直線矢印コネクタ 17"/>
+          <p:cNvCxnSpPr>
+            <a:stCxn id="5" idx="3"/>
+            <a:endCxn id="16" idx="1"/>
+          </p:cNvCxnSpPr>
+          <p:nvPr/>
+        </p:nvCxnSpPr>
+        <p:spPr>
+          <a:xfrm flipV="1">
+            <a:off x="6130290" y="2536785"/>
+            <a:ext cx="875838" cy="126271"/>
+          </a:xfrm>
+          <a:prstGeom prst="straightConnector1">
+            <a:avLst/>
+          </a:prstGeom>
+          <a:ln>
+            <a:tailEnd type="arrow"/>
+          </a:ln>
+        </p:spPr>
+        <p:style>
+          <a:lnRef idx="1">
+            <a:schemeClr val="accent1"/>
+          </a:lnRef>
+          <a:fillRef idx="0">
+            <a:schemeClr val="accent1"/>
+          </a:fillRef>
+          <a:effectRef idx="0">
+            <a:schemeClr val="accent1"/>
+          </a:effectRef>
+          <a:fontRef idx="minor">
+            <a:schemeClr val="tx1"/>
+          </a:fontRef>
+        </p:style>
+      </p:cxnSp>
+      <p:cxnSp>
+        <p:nvCxnSpPr>
+          <p:cNvPr id="22" name="図形 21"/>
+          <p:cNvCxnSpPr>
+            <a:stCxn id="13" idx="3"/>
+            <a:endCxn id="4" idx="1"/>
+          </p:cNvCxnSpPr>
+          <p:nvPr/>
+        </p:nvCxnSpPr>
+        <p:spPr>
+          <a:xfrm flipH="1">
+            <a:off x="906236" y="1608773"/>
+            <a:ext cx="8249050" cy="1416434"/>
+          </a:xfrm>
+          <a:prstGeom prst="bentConnector5">
+            <a:avLst>
+              <a:gd name="adj1" fmla="val -2771"/>
+              <a:gd name="adj2" fmla="val -105695"/>
+              <a:gd name="adj3" fmla="val 102771"/>
+            </a:avLst>
+          </a:prstGeom>
+          <a:ln>
+            <a:tailEnd type="arrow"/>
+          </a:ln>
+        </p:spPr>
+        <p:style>
+          <a:lnRef idx="1">
+            <a:schemeClr val="accent1"/>
+          </a:lnRef>
+          <a:fillRef idx="0">
+            <a:schemeClr val="accent1"/>
+          </a:fillRef>
+          <a:effectRef idx="0">
+            <a:schemeClr val="accent1"/>
+          </a:effectRef>
+          <a:fontRef idx="minor">
+            <a:schemeClr val="tx1"/>
+          </a:fontRef>
+        </p:style>
+      </p:cxnSp>
+      <p:cxnSp>
+        <p:nvCxnSpPr>
+          <p:cNvPr id="28" name="図形 27"/>
+          <p:cNvCxnSpPr>
+            <a:stCxn id="16" idx="3"/>
+            <a:endCxn id="4" idx="1"/>
+          </p:cNvCxnSpPr>
+          <p:nvPr/>
+        </p:nvCxnSpPr>
+        <p:spPr>
+          <a:xfrm flipH="1">
+            <a:off x="906236" y="2536785"/>
+            <a:ext cx="8263428" cy="488422"/>
+          </a:xfrm>
+          <a:prstGeom prst="bentConnector5">
+            <a:avLst>
+              <a:gd name="adj1" fmla="val -2766"/>
+              <a:gd name="adj2" fmla="val 622687"/>
+              <a:gd name="adj3" fmla="val 102766"/>
+            </a:avLst>
+          </a:prstGeom>
+          <a:ln>
+            <a:tailEnd type="arrow"/>
+          </a:ln>
+        </p:spPr>
+        <p:style>
+          <a:lnRef idx="1">
+            <a:schemeClr val="accent1"/>
+          </a:lnRef>
+          <a:fillRef idx="0">
+            <a:schemeClr val="accent1"/>
+          </a:fillRef>
+          <a:effectRef idx="0">
+            <a:schemeClr val="accent1"/>
+          </a:effectRef>
+          <a:fontRef idx="minor">
+            <a:schemeClr val="tx1"/>
+          </a:fontRef>
+        </p:style>
+      </p:cxnSp>
+      <p:sp>
+        <p:nvSpPr>
+          <p:cNvPr id="32" name="正方形/長方形 31"/>
+          <p:cNvSpPr/>
+          <p:nvPr/>
+        </p:nvSpPr>
+        <p:spPr>
+          <a:xfrm>
+            <a:off x="9463523" y="3399171"/>
+            <a:ext cx="2163536" cy="856569"/>
+          </a:xfrm>
+          <a:prstGeom prst="rect">
+            <a:avLst/>
+          </a:prstGeom>
+        </p:spPr>
+        <p:style>
+          <a:lnRef idx="2">
+            <a:schemeClr val="accent1">
+              <a:shade val="50000"/>
+            </a:schemeClr>
+          </a:lnRef>
+          <a:fillRef idx="1">
+            <a:schemeClr val="accent1"/>
+          </a:fillRef>
+          <a:effectRef idx="0">
+            <a:schemeClr val="accent1"/>
+          </a:effectRef>
+          <a:fontRef idx="minor">
+            <a:schemeClr val="lt1"/>
+          </a:fontRef>
+        </p:style>
+        <p:txBody>
+          <a:bodyPr rtlCol="0" anchor="ctr"/>
+          <a:lstStyle/>
+          <a:p>
+            <a:pPr algn="ctr"/>
+            <a:r>
+              <a:rPr kumimoji="1" lang="ja-JP" altLang="en-US" dirty="0" smtClean="0"/>
+              <a:t>左右</a:t>
+            </a:r>
+            <a:r>
+              <a:rPr lang="ja-JP" altLang="en-US" dirty="0" smtClean="0"/>
+              <a:t>正面いずれかから</a:t>
+            </a:r>
+            <a:r>
+              <a:rPr kumimoji="1" lang="ja-JP" altLang="en-US" dirty="0" smtClean="0"/>
+              <a:t>ビームずん</a:t>
+            </a:r>
+            <a:r>
+              <a:rPr kumimoji="1" lang="ja-JP" altLang="en-US" dirty="0" err="1" smtClean="0"/>
+              <a:t>だ</a:t>
             </a:r>
             <a:endParaRPr kumimoji="1" lang="en-US" altLang="ja-JP" dirty="0" smtClean="0"/>
           </a:p>
         </p:txBody>
       </p:sp>
+      <p:cxnSp>
+        <p:nvCxnSpPr>
+          <p:cNvPr id="35" name="直線矢印コネクタ 34"/>
+          <p:cNvCxnSpPr>
+            <a:stCxn id="6" idx="3"/>
+            <a:endCxn id="32" idx="1"/>
+          </p:cNvCxnSpPr>
+          <p:nvPr/>
+        </p:nvCxnSpPr>
+        <p:spPr>
+          <a:xfrm flipV="1">
+            <a:off x="8544551" y="3827456"/>
+            <a:ext cx="918972" cy="5766"/>
+          </a:xfrm>
+          <a:prstGeom prst="straightConnector1">
+            <a:avLst/>
+          </a:prstGeom>
+          <a:ln>
+            <a:tailEnd type="arrow"/>
+          </a:ln>
+        </p:spPr>
+        <p:style>
+          <a:lnRef idx="1">
+            <a:schemeClr val="accent1"/>
+          </a:lnRef>
+          <a:fillRef idx="0">
+            <a:schemeClr val="accent1"/>
+          </a:fillRef>
+          <a:effectRef idx="0">
+            <a:schemeClr val="accent1"/>
+          </a:effectRef>
+          <a:fontRef idx="minor">
+            <a:schemeClr val="tx1"/>
+          </a:fontRef>
+        </p:style>
+      </p:cxnSp>
+      <p:sp>
+        <p:nvSpPr>
+          <p:cNvPr id="38" name="正方形/長方形 37"/>
+          <p:cNvSpPr/>
+          <p:nvPr/>
+        </p:nvSpPr>
+        <p:spPr>
+          <a:xfrm>
+            <a:off x="9477899" y="4664378"/>
+            <a:ext cx="2163536" cy="856569"/>
+          </a:xfrm>
+          <a:prstGeom prst="rect">
+            <a:avLst/>
+          </a:prstGeom>
+        </p:spPr>
+        <p:style>
+          <a:lnRef idx="2">
+            <a:schemeClr val="accent1">
+              <a:shade val="50000"/>
+            </a:schemeClr>
+          </a:lnRef>
+          <a:fillRef idx="1">
+            <a:schemeClr val="accent1"/>
+          </a:fillRef>
+          <a:effectRef idx="0">
+            <a:schemeClr val="accent1"/>
+          </a:effectRef>
+          <a:fontRef idx="minor">
+            <a:schemeClr val="lt1"/>
+          </a:fontRef>
+        </p:style>
+        <p:txBody>
+          <a:bodyPr rtlCol="0" anchor="ctr"/>
+          <a:lstStyle/>
+          <a:p>
+            <a:pPr algn="ctr"/>
+            <a:r>
+              <a:rPr kumimoji="1" lang="ja-JP" altLang="en-US" dirty="0" smtClean="0"/>
+              <a:t>撃たずに</a:t>
+            </a:r>
+            <a:r>
+              <a:rPr lang="ja-JP" altLang="en-US" dirty="0" smtClean="0"/>
+              <a:t>逃げる</a:t>
+            </a:r>
+            <a:endParaRPr kumimoji="1" lang="en-US" altLang="ja-JP" dirty="0" smtClean="0"/>
+          </a:p>
+        </p:txBody>
+      </p:sp>
+      <p:cxnSp>
+        <p:nvCxnSpPr>
+          <p:cNvPr id="40" name="直線矢印コネクタ 39"/>
+          <p:cNvCxnSpPr>
+            <a:stCxn id="6" idx="3"/>
+            <a:endCxn id="38" idx="1"/>
+          </p:cNvCxnSpPr>
+          <p:nvPr/>
+        </p:nvCxnSpPr>
+        <p:spPr>
+          <a:xfrm>
+            <a:off x="8544551" y="3833222"/>
+            <a:ext cx="933348" cy="1259441"/>
+          </a:xfrm>
+          <a:prstGeom prst="straightConnector1">
+            <a:avLst/>
+          </a:prstGeom>
+          <a:ln>
+            <a:tailEnd type="arrow"/>
+          </a:ln>
+        </p:spPr>
+        <p:style>
+          <a:lnRef idx="1">
+            <a:schemeClr val="accent1"/>
+          </a:lnRef>
+          <a:fillRef idx="0">
+            <a:schemeClr val="accent1"/>
+          </a:fillRef>
+          <a:effectRef idx="0">
+            <a:schemeClr val="accent1"/>
+          </a:effectRef>
+          <a:fontRef idx="minor">
+            <a:schemeClr val="tx1"/>
+          </a:fontRef>
+        </p:style>
+      </p:cxnSp>
+      <p:sp>
+        <p:nvSpPr>
+          <p:cNvPr id="42" name="正方形/長方形 41"/>
+          <p:cNvSpPr/>
+          <p:nvPr/>
+        </p:nvSpPr>
+        <p:spPr>
+          <a:xfrm>
+            <a:off x="3971489" y="3402042"/>
+            <a:ext cx="2163536" cy="856569"/>
+          </a:xfrm>
+          <a:prstGeom prst="rect">
+            <a:avLst/>
+          </a:prstGeom>
+        </p:spPr>
+        <p:style>
+          <a:lnRef idx="2">
+            <a:schemeClr val="accent1">
+              <a:shade val="50000"/>
+            </a:schemeClr>
+          </a:lnRef>
+          <a:fillRef idx="1">
+            <a:schemeClr val="accent1"/>
+          </a:fillRef>
+          <a:effectRef idx="0">
+            <a:schemeClr val="accent1"/>
+          </a:effectRef>
+          <a:fontRef idx="minor">
+            <a:schemeClr val="lt1"/>
+          </a:fontRef>
+        </p:style>
+        <p:txBody>
+          <a:bodyPr rtlCol="0" anchor="ctr"/>
+          <a:lstStyle/>
+          <a:p>
+            <a:pPr algn="ctr"/>
+            <a:r>
+              <a:rPr kumimoji="1" lang="ja-JP" altLang="en-US" dirty="0" smtClean="0"/>
+              <a:t>範囲内か？</a:t>
+            </a:r>
+            <a:endParaRPr kumimoji="1" lang="ja-JP" altLang="en-US" dirty="0"/>
+          </a:p>
+        </p:txBody>
+      </p:sp>
+      <p:cxnSp>
+        <p:nvCxnSpPr>
+          <p:cNvPr id="44" name="直線矢印コネクタ 43"/>
+          <p:cNvCxnSpPr>
+            <a:stCxn id="42" idx="3"/>
+            <a:endCxn id="6" idx="1"/>
+          </p:cNvCxnSpPr>
+          <p:nvPr/>
+        </p:nvCxnSpPr>
+        <p:spPr>
+          <a:xfrm>
+            <a:off x="6135025" y="3830327"/>
+            <a:ext cx="245990" cy="2895"/>
+          </a:xfrm>
+          <a:prstGeom prst="straightConnector1">
+            <a:avLst/>
+          </a:prstGeom>
+          <a:ln>
+            <a:tailEnd type="arrow"/>
+          </a:ln>
+        </p:spPr>
+        <p:style>
+          <a:lnRef idx="1">
+            <a:schemeClr val="accent1"/>
+          </a:lnRef>
+          <a:fillRef idx="0">
+            <a:schemeClr val="accent1"/>
+          </a:fillRef>
+          <a:effectRef idx="0">
+            <a:schemeClr val="accent1"/>
+          </a:effectRef>
+          <a:fontRef idx="minor">
+            <a:schemeClr val="tx1"/>
+          </a:fontRef>
+        </p:style>
+      </p:cxnSp>
+      <p:sp>
+        <p:nvSpPr>
+          <p:cNvPr id="52" name="正方形/長方形 51"/>
+          <p:cNvSpPr/>
+          <p:nvPr/>
+        </p:nvSpPr>
+        <p:spPr>
+          <a:xfrm>
+            <a:off x="6257237" y="249086"/>
+            <a:ext cx="2163536" cy="856569"/>
+          </a:xfrm>
+          <a:prstGeom prst="rect">
+            <a:avLst/>
+          </a:prstGeom>
+        </p:spPr>
+        <p:style>
+          <a:lnRef idx="2">
+            <a:schemeClr val="accent1">
+              <a:shade val="50000"/>
+            </a:schemeClr>
+          </a:lnRef>
+          <a:fillRef idx="1">
+            <a:schemeClr val="accent1"/>
+          </a:fillRef>
+          <a:effectRef idx="0">
+            <a:schemeClr val="accent1"/>
+          </a:effectRef>
+          <a:fontRef idx="minor">
+            <a:schemeClr val="lt1"/>
+          </a:fontRef>
+        </p:style>
+        <p:txBody>
+          <a:bodyPr rtlCol="0" anchor="ctr"/>
+          <a:lstStyle/>
+          <a:p>
+            <a:pPr algn="ctr"/>
+            <a:r>
+              <a:rPr kumimoji="1" lang="ja-JP" altLang="en-US" dirty="0" smtClean="0"/>
+              <a:t>相手が自分の上か下？</a:t>
+            </a:r>
+            <a:endParaRPr kumimoji="1" lang="ja-JP" altLang="en-US" dirty="0"/>
+          </a:p>
+        </p:txBody>
+      </p:sp>
+      <p:cxnSp>
+        <p:nvCxnSpPr>
+          <p:cNvPr id="55" name="カギ線コネクタ 54"/>
+          <p:cNvCxnSpPr>
+            <a:stCxn id="4" idx="3"/>
+            <a:endCxn id="52" idx="1"/>
+          </p:cNvCxnSpPr>
+          <p:nvPr/>
+        </p:nvCxnSpPr>
+        <p:spPr>
+          <a:xfrm flipV="1">
+            <a:off x="3069772" y="677371"/>
+            <a:ext cx="3187465" cy="2347836"/>
+          </a:xfrm>
+          <a:prstGeom prst="bentConnector3">
+            <a:avLst>
+              <a:gd name="adj1" fmla="val 13297"/>
+            </a:avLst>
+          </a:prstGeom>
+          <a:ln>
+            <a:tailEnd type="arrow"/>
+          </a:ln>
+        </p:spPr>
+        <p:style>
+          <a:lnRef idx="1">
+            <a:schemeClr val="accent1"/>
+          </a:lnRef>
+          <a:fillRef idx="0">
+            <a:schemeClr val="accent1"/>
+          </a:fillRef>
+          <a:effectRef idx="0">
+            <a:schemeClr val="accent1"/>
+          </a:effectRef>
+          <a:fontRef idx="minor">
+            <a:schemeClr val="tx1"/>
+          </a:fontRef>
+        </p:style>
+      </p:cxnSp>
+      <p:sp>
+        <p:nvSpPr>
+          <p:cNvPr id="59" name="正方形/長方形 58"/>
+          <p:cNvSpPr/>
+          <p:nvPr/>
+        </p:nvSpPr>
+        <p:spPr>
+          <a:xfrm>
+            <a:off x="9310058" y="243843"/>
+            <a:ext cx="2163536" cy="856569"/>
+          </a:xfrm>
+          <a:prstGeom prst="rect">
+            <a:avLst/>
+          </a:prstGeom>
+        </p:spPr>
+        <p:style>
+          <a:lnRef idx="2">
+            <a:schemeClr val="accent1">
+              <a:shade val="50000"/>
+            </a:schemeClr>
+          </a:lnRef>
+          <a:fillRef idx="1">
+            <a:schemeClr val="accent1"/>
+          </a:fillRef>
+          <a:effectRef idx="0">
+            <a:schemeClr val="accent1"/>
+          </a:effectRef>
+          <a:fontRef idx="minor">
+            <a:schemeClr val="lt1"/>
+          </a:fontRef>
+        </p:style>
+        <p:txBody>
+          <a:bodyPr rtlCol="0" anchor="ctr"/>
+          <a:lstStyle/>
+          <a:p>
+            <a:pPr algn="ctr"/>
+            <a:r>
+              <a:rPr lang="ja-JP" altLang="en-US" dirty="0" smtClean="0"/>
+              <a:t>前特格か後特格</a:t>
+            </a:r>
+            <a:endParaRPr kumimoji="1" lang="ja-JP" altLang="en-US" dirty="0"/>
+          </a:p>
+        </p:txBody>
+      </p:sp>
+      <p:cxnSp>
+        <p:nvCxnSpPr>
+          <p:cNvPr id="61" name="直線矢印コネクタ 60"/>
+          <p:cNvCxnSpPr>
+            <a:stCxn id="52" idx="3"/>
+            <a:endCxn id="59" idx="1"/>
+          </p:cNvCxnSpPr>
+          <p:nvPr/>
+        </p:nvCxnSpPr>
+        <p:spPr>
+          <a:xfrm flipV="1">
+            <a:off x="8420773" y="672128"/>
+            <a:ext cx="889285" cy="5243"/>
+          </a:xfrm>
+          <a:prstGeom prst="straightConnector1">
+            <a:avLst/>
+          </a:prstGeom>
+          <a:ln>
+            <a:tailEnd type="arrow"/>
+          </a:ln>
+        </p:spPr>
+        <p:style>
+          <a:lnRef idx="1">
+            <a:schemeClr val="accent1"/>
+          </a:lnRef>
+          <a:fillRef idx="0">
+            <a:schemeClr val="accent1"/>
+          </a:fillRef>
+          <a:effectRef idx="0">
+            <a:schemeClr val="accent1"/>
+          </a:effectRef>
+          <a:fontRef idx="minor">
+            <a:schemeClr val="tx1"/>
+          </a:fontRef>
+        </p:style>
+      </p:cxnSp>
+      <p:sp>
+        <p:nvSpPr>
+          <p:cNvPr id="62" name="テキスト ボックス 61"/>
+          <p:cNvSpPr txBox="1"/>
+          <p:nvPr/>
+        </p:nvSpPr>
+        <p:spPr>
+          <a:xfrm>
+            <a:off x="3150333" y="2370655"/>
+            <a:ext cx="655608" cy="369332"/>
+          </a:xfrm>
+          <a:prstGeom prst="rect">
+            <a:avLst/>
+          </a:prstGeom>
+          <a:noFill/>
+        </p:spPr>
+        <p:txBody>
+          <a:bodyPr wrap="square" rtlCol="0">
+            <a:spAutoFit/>
+          </a:bodyPr>
+          <a:lstStyle/>
+          <a:p>
+            <a:r>
+              <a:rPr kumimoji="1" lang="en-US" altLang="ja-JP" dirty="0" smtClean="0"/>
+              <a:t>YES</a:t>
+            </a:r>
+            <a:endParaRPr kumimoji="1" lang="ja-JP" altLang="en-US" dirty="0"/>
+          </a:p>
+        </p:txBody>
+      </p:sp>
+      <p:cxnSp>
+        <p:nvCxnSpPr>
+          <p:cNvPr id="73" name="図形 72"/>
+          <p:cNvCxnSpPr>
+            <a:stCxn id="59" idx="3"/>
+            <a:endCxn id="4" idx="1"/>
+          </p:cNvCxnSpPr>
+          <p:nvPr/>
+        </p:nvCxnSpPr>
+        <p:spPr>
+          <a:xfrm flipH="1">
+            <a:off x="906236" y="672128"/>
+            <a:ext cx="10567358" cy="2353079"/>
+          </a:xfrm>
+          <a:prstGeom prst="bentConnector5">
+            <a:avLst>
+              <a:gd name="adj1" fmla="val -2163"/>
+              <a:gd name="adj2" fmla="val -23719"/>
+              <a:gd name="adj3" fmla="val 102163"/>
+            </a:avLst>
+          </a:prstGeom>
+          <a:ln>
+            <a:tailEnd type="arrow"/>
+          </a:ln>
+        </p:spPr>
+        <p:style>
+          <a:lnRef idx="1">
+            <a:schemeClr val="accent1"/>
+          </a:lnRef>
+          <a:fillRef idx="0">
+            <a:schemeClr val="accent1"/>
+          </a:fillRef>
+          <a:effectRef idx="0">
+            <a:schemeClr val="accent1"/>
+          </a:effectRef>
+          <a:fontRef idx="minor">
+            <a:schemeClr val="tx1"/>
+          </a:fontRef>
+        </p:style>
+      </p:cxnSp>
     </p:spTree>
   </p:cSld>
   <p:clrMapOvr>
@@ -5826,270 +6062,89 @@
             <p:ph idx="1"/>
           </p:nvPr>
         </p:nvSpPr>
-        <p:spPr>
-          <a:xfrm>
-            <a:off x="820271" y="564776"/>
-            <a:ext cx="10533529" cy="5612187"/>
-          </a:xfrm>
-        </p:spPr>
-        <p:txBody>
-          <a:bodyPr>
-            <a:normAutofit fontScale="40000" lnSpcReduction="20000"/>
-          </a:bodyPr>
-          <a:lstStyle/>
-          <a:p>
-            <a:r>
-              <a:rPr lang="ja-JP" altLang="en-US" dirty="0" smtClean="0"/>
-              <a:t>魔獣</a:t>
-            </a:r>
-            <a:r>
-              <a:rPr lang="en-US" altLang="ja-JP" dirty="0" smtClean="0"/>
-              <a:t>AI</a:t>
-            </a:r>
-          </a:p>
-          <a:p>
-            <a:r>
-              <a:rPr lang="ja-JP" altLang="en-US" dirty="0" smtClean="0"/>
-              <a:t>・索敵コライダを用意								→</a:t>
-            </a:r>
-            <a:r>
-              <a:rPr lang="en-US" altLang="ja-JP" dirty="0" smtClean="0"/>
-              <a:t>OK</a:t>
-            </a:r>
-          </a:p>
-          <a:p>
-            <a:r>
-              <a:rPr lang="ja-JP" altLang="en-US" dirty="0" smtClean="0"/>
-              <a:t>・索敵時、範囲内の敵を検知							→</a:t>
-            </a:r>
-            <a:r>
-              <a:rPr lang="en-US" altLang="ja-JP" dirty="0" smtClean="0"/>
-              <a:t>OK</a:t>
-            </a:r>
-          </a:p>
-          <a:p>
-            <a:r>
-              <a:rPr lang="ja-JP" altLang="en-US" dirty="0" smtClean="0"/>
-              <a:t>・哨戒からロックオンし通常へ移行</a:t>
-            </a:r>
-            <a:r>
-              <a:rPr lang="en-US" altLang="ja-JP" dirty="0" smtClean="0"/>
-              <a:t>(</a:t>
-            </a:r>
-            <a:r>
-              <a:rPr lang="en-US" altLang="ja-JP" dirty="0" err="1" smtClean="0"/>
-              <a:t>Player_Camera_Controller</a:t>
-            </a:r>
-            <a:r>
-              <a:rPr lang="ja-JP" altLang="en-US" dirty="0" smtClean="0"/>
-              <a:t>に敵のサーチアルゴリズムを作ってない）	</a:t>
-            </a:r>
-          </a:p>
-          <a:p>
-            <a:r>
-              <a:rPr lang="ja-JP" altLang="en-US" dirty="0" smtClean="0"/>
-              <a:t>													→</a:t>
-            </a:r>
-            <a:r>
-              <a:rPr lang="en-US" altLang="ja-JP" dirty="0" smtClean="0"/>
-              <a:t>OK</a:t>
-            </a:r>
-          </a:p>
-          <a:p>
-            <a:r>
-              <a:rPr lang="ja-JP" altLang="en-US" dirty="0" smtClean="0"/>
-              <a:t>・</a:t>
-            </a:r>
-            <a:r>
-              <a:rPr lang="en-US" altLang="ja-JP" dirty="0" smtClean="0"/>
-              <a:t>(</a:t>
-            </a:r>
-            <a:r>
-              <a:rPr lang="ja-JP" altLang="en-US" dirty="0" smtClean="0"/>
-              <a:t>赤ロックになるまで</a:t>
-            </a:r>
-            <a:r>
-              <a:rPr lang="en-US" altLang="ja-JP" dirty="0" smtClean="0"/>
-              <a:t>)</a:t>
-            </a:r>
-            <a:r>
-              <a:rPr lang="ja-JP" altLang="en-US" dirty="0" smtClean="0"/>
-              <a:t>敵へ向けて飛行				→</a:t>
-            </a:r>
-            <a:r>
-              <a:rPr lang="en-US" altLang="ja-JP" dirty="0" smtClean="0"/>
-              <a:t>OK</a:t>
-            </a:r>
-          </a:p>
-          <a:p>
-            <a:r>
-              <a:rPr lang="en-US" altLang="ja-JP" dirty="0" smtClean="0"/>
-              <a:t>	</a:t>
-            </a:r>
-          </a:p>
-          <a:p>
-            <a:r>
-              <a:rPr lang="ja-JP" altLang="en-US" dirty="0" smtClean="0"/>
-              <a:t>・飛び越えられる壁にぶつかった→飛び越えて移動</a:t>
-            </a:r>
-            <a:r>
-              <a:rPr lang="en-US" altLang="ja-JP" dirty="0" smtClean="0"/>
-              <a:t>(</a:t>
-            </a:r>
-            <a:r>
-              <a:rPr lang="ja-JP" altLang="en-US" dirty="0" smtClean="0"/>
-              <a:t>飛び越えられる壁はタグ「</a:t>
-            </a:r>
-            <a:r>
-              <a:rPr lang="en-US" altLang="ja-JP" dirty="0" err="1" smtClean="0"/>
-              <a:t>jumpover</a:t>
-            </a:r>
-            <a:r>
-              <a:rPr lang="ja-JP" altLang="en-US" dirty="0" smtClean="0"/>
-              <a:t>」をつける）</a:t>
-            </a:r>
-          </a:p>
-          <a:p>
-            <a:r>
-              <a:rPr lang="ja-JP" altLang="en-US" dirty="0" smtClean="0"/>
-              <a:t>													→</a:t>
-            </a:r>
-            <a:r>
-              <a:rPr lang="en-US" altLang="ja-JP" dirty="0" smtClean="0"/>
-              <a:t>OK</a:t>
-            </a:r>
-          </a:p>
-          <a:p>
-            <a:r>
-              <a:rPr lang="ja-JP" altLang="en-US" dirty="0" smtClean="0"/>
-              <a:t>・飛び越えられない壁にぶつかった→引っかからなくなるまで移動（飛び越えられない壁はタグ「</a:t>
-            </a:r>
-            <a:r>
-              <a:rPr lang="en-US" altLang="ja-JP" dirty="0" err="1" smtClean="0"/>
-              <a:t>unjumpover</a:t>
-            </a:r>
-            <a:r>
-              <a:rPr lang="ja-JP" altLang="en-US" dirty="0" smtClean="0"/>
-              <a:t>」をつける																→</a:t>
-            </a:r>
-            <a:r>
-              <a:rPr lang="en-US" altLang="ja-JP" dirty="0" smtClean="0"/>
-              <a:t>OK</a:t>
-            </a:r>
-          </a:p>
-          <a:p>
+        <p:spPr/>
+        <p:txBody>
+          <a:bodyPr/>
+          <a:lstStyle/>
+          <a:p>
+            <a:r>
+              <a:rPr kumimoji="1" lang="ja-JP" altLang="en-US" dirty="0" smtClean="0"/>
+              <a:t>現在は跳ね返って着地している（この時点で</a:t>
+            </a:r>
+            <a:r>
+              <a:rPr kumimoji="1" lang="en-US" altLang="ja-JP" dirty="0" smtClean="0"/>
+              <a:t>NORMAL_RISE</a:t>
+            </a:r>
+            <a:r>
+              <a:rPr kumimoji="1" lang="ja-JP" altLang="en-US" dirty="0" smtClean="0"/>
+              <a:t>３になっている→これがまず不味い。最低でも一回着陸してもらう必要がある）</a:t>
+            </a:r>
+            <a:endParaRPr kumimoji="1" lang="en-US" altLang="ja-JP" dirty="0" smtClean="0"/>
+          </a:p>
+          <a:p>
+            <a:r>
+              <a:rPr lang="ja-JP" altLang="en-US" dirty="0" smtClean="0"/>
+              <a:t>レイを正面に向けて飛ばす</a:t>
+            </a:r>
             <a:endParaRPr lang="en-US" altLang="ja-JP" dirty="0" smtClean="0"/>
           </a:p>
           <a:p>
             <a:r>
               <a:rPr lang="ja-JP" altLang="en-US" dirty="0" smtClean="0"/>
-              <a:t>・哨戒コライダの外へ出た→哨戒へ戻る				→</a:t>
-            </a:r>
-            <a:r>
-              <a:rPr lang="en-US" altLang="ja-JP" dirty="0" smtClean="0"/>
-              <a:t>OK</a:t>
-            </a:r>
-          </a:p>
-          <a:p>
-            <a:r>
-              <a:rPr lang="en-US" altLang="ja-JP" dirty="0" smtClean="0"/>
-              <a:t> </a:t>
-            </a:r>
-          </a:p>
-          <a:p>
-            <a:r>
-              <a:rPr lang="ja-JP" altLang="en-US" dirty="0" smtClean="0"/>
-              <a:t>・赤ロックになって近接間合い→相手が格闘を振っている？</a:t>
-            </a:r>
-            <a:r>
-              <a:rPr lang="en-US" altLang="ja-JP" dirty="0" smtClean="0"/>
-              <a:t>YES</a:t>
-            </a:r>
-            <a:r>
-              <a:rPr lang="ja-JP" altLang="en-US" dirty="0" smtClean="0"/>
-              <a:t>なら前以外のステップ→格闘か前格闘</a:t>
-            </a:r>
-          </a:p>
-          <a:p>
-            <a:r>
-              <a:rPr lang="ja-JP" altLang="en-US" dirty="0" smtClean="0"/>
-              <a:t>								</a:t>
-            </a:r>
-            <a:r>
-              <a:rPr lang="en-US" altLang="ja-JP" dirty="0" smtClean="0"/>
-              <a:t>NO</a:t>
-            </a:r>
-            <a:r>
-              <a:rPr lang="ja-JP" altLang="en-US" dirty="0" smtClean="0"/>
-              <a:t>なら格闘か前格闘	→</a:t>
-            </a:r>
-          </a:p>
-          <a:p>
-            <a:r>
-              <a:rPr lang="ja-JP" altLang="en-US" dirty="0" smtClean="0"/>
-              <a:t>	・近接間合いを設定								→</a:t>
-            </a:r>
-            <a:r>
-              <a:rPr lang="en-US" altLang="ja-JP" dirty="0" smtClean="0"/>
-              <a:t>OK</a:t>
-            </a:r>
-          </a:p>
-          <a:p>
-            <a:r>
-              <a:rPr lang="en-US" altLang="ja-JP" dirty="0" smtClean="0"/>
-              <a:t>	</a:t>
-            </a:r>
-            <a:r>
-              <a:rPr lang="ja-JP" altLang="en-US" dirty="0" smtClean="0"/>
-              <a:t>・彼我の距離を</a:t>
-            </a:r>
-            <a:r>
-              <a:rPr lang="en-US" altLang="ja-JP" dirty="0" smtClean="0"/>
-              <a:t>X</a:t>
-            </a:r>
-            <a:r>
-              <a:rPr lang="ja-JP" altLang="en-US" dirty="0" smtClean="0"/>
-              <a:t>と</a:t>
-            </a:r>
-            <a:r>
-              <a:rPr lang="en-US" altLang="ja-JP" dirty="0" smtClean="0"/>
-              <a:t>Z</a:t>
-            </a:r>
-            <a:r>
-              <a:rPr lang="ja-JP" altLang="en-US" dirty="0" smtClean="0"/>
-              <a:t>で測る						→</a:t>
-            </a:r>
-            <a:r>
-              <a:rPr lang="en-US" altLang="ja-JP" dirty="0" smtClean="0"/>
-              <a:t>OK</a:t>
-            </a:r>
-          </a:p>
-          <a:p>
-            <a:r>
-              <a:rPr lang="en-US" altLang="ja-JP" dirty="0" smtClean="0"/>
-              <a:t>	</a:t>
-            </a:r>
-            <a:r>
-              <a:rPr lang="ja-JP" altLang="en-US" dirty="0" smtClean="0"/>
-              <a:t>・通常格闘か前後特格の識別用距離を設定</a:t>
-            </a:r>
-          </a:p>
-          <a:p>
-            <a:r>
-              <a:rPr lang="ja-JP" altLang="en-US" dirty="0" smtClean="0"/>
-              <a:t>・赤ロックになって近接間合いで自分の真上か真下→前特格か後特格</a:t>
-            </a:r>
-          </a:p>
-          <a:p>
-            <a:r>
-              <a:rPr lang="ja-JP" altLang="en-US" dirty="0" smtClean="0"/>
-              <a:t>													→</a:t>
-            </a:r>
-            <a:r>
-              <a:rPr lang="en-US" altLang="ja-JP" dirty="0" smtClean="0"/>
-              <a:t>OK</a:t>
+              <a:t>レイが壁に接触すると空中ダッシュ入力しないまま上昇開始</a:t>
             </a:r>
             <a:endParaRPr lang="en-US" altLang="ja-JP" dirty="0" smtClean="0"/>
+          </a:p>
+          <a:p>
+            <a:r>
+              <a:rPr kumimoji="1" lang="ja-JP" altLang="en-US" dirty="0" smtClean="0"/>
+              <a:t>レイとの接触距離が一定以上になると空中ダッシュへ移行</a:t>
+            </a:r>
+            <a:endParaRPr kumimoji="1" lang="ja-JP" altLang="en-US" dirty="0"/>
+          </a:p>
+        </p:txBody>
+      </p:sp>
+      <p:sp>
+        <p:nvSpPr>
+          <p:cNvPr id="4" name="タイトル 3"/>
+          <p:cNvSpPr>
+            <a:spLocks noGrp="1"/>
+          </p:cNvSpPr>
+          <p:nvPr>
+            <p:ph type="title"/>
+          </p:nvPr>
+        </p:nvSpPr>
+        <p:spPr>
+          <a:prstGeom prst="rect">
+            <a:avLst/>
+          </a:prstGeom>
+        </p:spPr>
+        <p:style>
+          <a:lnRef idx="2">
+            <a:schemeClr val="accent1">
+              <a:shade val="50000"/>
+            </a:schemeClr>
+          </a:lnRef>
+          <a:fillRef idx="1">
+            <a:schemeClr val="accent1"/>
+          </a:fillRef>
+          <a:effectRef idx="0">
+            <a:schemeClr val="accent1"/>
+          </a:effectRef>
+          <a:fontRef idx="minor">
+            <a:schemeClr val="lt1"/>
+          </a:fontRef>
+        </p:style>
+        <p:txBody>
+          <a:bodyPr rtlCol="0" anchor="ctr"/>
+          <a:lstStyle/>
+          <a:p>
+            <a:pPr algn="ctr"/>
+            <a:r>
+              <a:rPr kumimoji="1" lang="ja-JP" altLang="en-US" dirty="0" smtClean="0"/>
+              <a:t>着地した後、引っかからなくなるまで上昇</a:t>
+            </a:r>
+            <a:endParaRPr kumimoji="1" lang="en-US" altLang="ja-JP" dirty="0" smtClean="0"/>
           </a:p>
         </p:txBody>
       </p:sp>
@@ -6130,71 +6185,39 @@
         </p:nvSpPr>
         <p:spPr>
           <a:xfrm>
-            <a:off x="838200" y="389965"/>
-            <a:ext cx="10515600" cy="5786998"/>
+            <a:off x="820271" y="564776"/>
+            <a:ext cx="10533529" cy="5612187"/>
           </a:xfrm>
         </p:spPr>
         <p:txBody>
           <a:bodyPr>
-            <a:normAutofit fontScale="47500" lnSpcReduction="20000"/>
+            <a:normAutofit fontScale="40000" lnSpcReduction="20000"/>
           </a:bodyPr>
           <a:lstStyle/>
           <a:p>
             <a:r>
               <a:rPr lang="ja-JP" altLang="en-US" dirty="0" smtClean="0"/>
-              <a:t>・</a:t>
+              <a:t>魔獣</a:t>
             </a:r>
             <a:r>
               <a:rPr lang="en-US" altLang="ja-JP" dirty="0" smtClean="0"/>
-              <a:t>CPU</a:t>
-            </a:r>
-            <a:r>
-              <a:rPr lang="ja-JP" altLang="en-US" dirty="0" smtClean="0"/>
-              <a:t>専用のステップ機能</a:t>
-            </a:r>
-          </a:p>
-          <a:p>
-            <a:r>
-              <a:rPr lang="ja-JP" altLang="en-US" dirty="0" smtClean="0"/>
-              <a:t>・赤ロックになって近接間合いで相手が格闘を振っている→前以外のステップ</a:t>
-            </a:r>
-          </a:p>
-          <a:p>
-            <a:r>
-              <a:rPr lang="ja-JP" altLang="en-US" dirty="0" smtClean="0"/>
-              <a:t>	・魔獣のステップの移動距離が短すぎて躱せない	→</a:t>
-            </a:r>
-          </a:p>
-          <a:p>
-            <a:r>
-              <a:rPr lang="ja-JP" altLang="en-US" dirty="0" smtClean="0"/>
-              <a:t>	・格闘を食らうなどして一度ステップに入ると、それ以降の動きがステップになり魔獣本体が動かなくなる</a:t>
-            </a:r>
-          </a:p>
-          <a:p>
-            <a:r>
-              <a:rPr lang="ja-JP" altLang="en-US" dirty="0" smtClean="0"/>
-              <a:t>													→</a:t>
+              <a:t>AI</a:t>
+            </a:r>
+          </a:p>
+          <a:p>
+            <a:r>
+              <a:rPr lang="ja-JP" altLang="en-US" dirty="0" smtClean="0"/>
+              <a:t>・索敵コライダを用意								→</a:t>
             </a:r>
             <a:r>
               <a:rPr lang="en-US" altLang="ja-JP" dirty="0" smtClean="0"/>
               <a:t>OK</a:t>
             </a:r>
-            <a:r>
-              <a:rPr lang="ja-JP" altLang="en-US" dirty="0" smtClean="0"/>
-              <a:t>（一応）</a:t>
-            </a:r>
-          </a:p>
-          <a:p>
-            <a:r>
-              <a:rPr lang="ja-JP" altLang="en-US" dirty="0" smtClean="0"/>
-              <a:t>・赤ロックになって近接間合いで相手が格闘を振っていない→格闘か前格闘（ランダム）</a:t>
-            </a:r>
-          </a:p>
-          <a:p>
-            <a:r>
-              <a:rPr lang="ja-JP" altLang="en-US" dirty="0" smtClean="0"/>
-              <a:t>													→</a:t>
+          </a:p>
+          <a:p>
+            <a:r>
+              <a:rPr lang="ja-JP" altLang="en-US" dirty="0" smtClean="0"/>
+              <a:t>・索敵時、範囲内の敵を検知							→</a:t>
             </a:r>
             <a:r>
               <a:rPr lang="en-US" altLang="ja-JP" dirty="0" smtClean="0"/>
@@ -6204,19 +6227,25 @@
           <a:p>
             <a:r>
               <a:rPr lang="ja-JP" altLang="en-US" dirty="0" smtClean="0"/>
-              <a:t>射撃攻撃ルーチン</a:t>
-            </a:r>
-          </a:p>
-          <a:p>
-            <a:r>
-              <a:rPr lang="ja-JP" altLang="en-US" dirty="0" smtClean="0"/>
-              <a:t>・赤ロックになって近接の間合い範囲外</a:t>
-            </a:r>
-          </a:p>
-          <a:p>
-            <a:r>
-              <a:rPr lang="ja-JP" altLang="en-US" dirty="0" smtClean="0"/>
-              <a:t>	・赤ロックと同じ長さのレイかコライダを飛ばす	→</a:t>
+              <a:t>・哨戒からロックオンし通常へ移行</a:t>
+            </a:r>
+            <a:r>
+              <a:rPr lang="en-US" altLang="ja-JP" dirty="0" smtClean="0"/>
+              <a:t>(</a:t>
+            </a:r>
+            <a:r>
+              <a:rPr lang="en-US" altLang="ja-JP" dirty="0" err="1" smtClean="0"/>
+              <a:t>Player_Camera_Controller</a:t>
+            </a:r>
+            <a:r>
+              <a:rPr lang="ja-JP" altLang="en-US" dirty="0" smtClean="0"/>
+              <a:t>に敵のサーチアルゴリズムを作ってない）	</a:t>
+            </a:r>
+          </a:p>
+          <a:p>
+            <a:r>
+              <a:rPr lang="ja-JP" altLang="en-US" dirty="0" smtClean="0"/>
+              <a:t>													→</a:t>
             </a:r>
             <a:r>
               <a:rPr lang="en-US" altLang="ja-JP" dirty="0" smtClean="0"/>
@@ -6225,30 +6254,155 @@
           </a:p>
           <a:p>
             <a:r>
+              <a:rPr lang="ja-JP" altLang="en-US" dirty="0" smtClean="0"/>
+              <a:t>・</a:t>
+            </a:r>
+            <a:r>
+              <a:rPr lang="en-US" altLang="ja-JP" dirty="0" smtClean="0"/>
+              <a:t>(</a:t>
+            </a:r>
+            <a:r>
+              <a:rPr lang="ja-JP" altLang="en-US" dirty="0" smtClean="0"/>
+              <a:t>赤ロックになるまで</a:t>
+            </a:r>
+            <a:r>
+              <a:rPr lang="en-US" altLang="ja-JP" dirty="0" smtClean="0"/>
+              <a:t>)</a:t>
+            </a:r>
+            <a:r>
+              <a:rPr lang="ja-JP" altLang="en-US" dirty="0" smtClean="0"/>
+              <a:t>敵へ向けて飛行				→</a:t>
+            </a:r>
+            <a:r>
+              <a:rPr lang="en-US" altLang="ja-JP" dirty="0" smtClean="0"/>
+              <a:t>OK</a:t>
+            </a:r>
+          </a:p>
+          <a:p>
+            <a:r>
               <a:rPr lang="en-US" altLang="ja-JP" dirty="0" smtClean="0"/>
               <a:t>	</a:t>
             </a:r>
-            <a:r>
-              <a:rPr lang="ja-JP" altLang="en-US" dirty="0" smtClean="0"/>
-              <a:t>・コライダが</a:t>
+          </a:p>
+          <a:p>
+            <a:r>
+              <a:rPr lang="ja-JP" altLang="en-US" dirty="0" smtClean="0"/>
+              <a:t>・飛び越えられる壁にぶつかった→飛び越えて移動</a:t>
             </a:r>
             <a:r>
               <a:rPr lang="en-US" altLang="ja-JP" dirty="0" smtClean="0"/>
-              <a:t>ground</a:t>
-            </a:r>
-            <a:r>
-              <a:rPr lang="ja-JP" altLang="en-US" dirty="0" smtClean="0"/>
-              <a:t>に引っかかっていない→射撃開始</a:t>
-            </a:r>
-          </a:p>
-          <a:p>
-            <a:r>
-              <a:rPr lang="ja-JP" altLang="en-US" dirty="0" smtClean="0"/>
-              <a:t>	・コライダが</a:t>
+              <a:t>(</a:t>
+            </a:r>
+            <a:r>
+              <a:rPr lang="ja-JP" altLang="en-US" dirty="0" smtClean="0"/>
+              <a:t>飛び越えられる壁はタグ「</a:t>
+            </a:r>
+            <a:r>
+              <a:rPr lang="en-US" altLang="ja-JP" dirty="0" err="1" smtClean="0"/>
+              <a:t>jumpover</a:t>
+            </a:r>
+            <a:r>
+              <a:rPr lang="ja-JP" altLang="en-US" dirty="0" smtClean="0"/>
+              <a:t>」をつける）</a:t>
+            </a:r>
+          </a:p>
+          <a:p>
+            <a:r>
+              <a:rPr lang="ja-JP" altLang="en-US" dirty="0" smtClean="0"/>
+              <a:t>													→</a:t>
             </a:r>
             <a:r>
               <a:rPr lang="en-US" altLang="ja-JP" dirty="0" smtClean="0"/>
-              <a:t>ground</a:t>
+              <a:t>OK</a:t>
+            </a:r>
+          </a:p>
+          <a:p>
+            <a:r>
+              <a:rPr lang="ja-JP" altLang="en-US" dirty="0" smtClean="0"/>
+              <a:t>・飛び越えられない壁にぶつかった→引っかからなくなるまで移動（飛び越えられない壁はタグ「</a:t>
+            </a:r>
+            <a:r>
+              <a:rPr lang="en-US" altLang="ja-JP" dirty="0" err="1" smtClean="0"/>
+              <a:t>unjumpover</a:t>
+            </a:r>
+            <a:r>
+              <a:rPr lang="ja-JP" altLang="en-US" dirty="0" smtClean="0"/>
+              <a:t>」をつける																→</a:t>
+            </a:r>
+            <a:r>
+              <a:rPr lang="en-US" altLang="ja-JP" dirty="0" smtClean="0"/>
+              <a:t>OK</a:t>
+            </a:r>
+          </a:p>
+          <a:p>
+            <a:endParaRPr lang="en-US" altLang="ja-JP" dirty="0" smtClean="0"/>
+          </a:p>
+          <a:p>
+            <a:r>
+              <a:rPr lang="ja-JP" altLang="en-US" dirty="0" smtClean="0"/>
+              <a:t>・哨戒コライダの外へ出た→哨戒へ戻る				→</a:t>
+            </a:r>
+            <a:r>
+              <a:rPr lang="en-US" altLang="ja-JP" dirty="0" smtClean="0"/>
+              <a:t>OK</a:t>
+            </a:r>
+          </a:p>
+          <a:p>
+            <a:r>
+              <a:rPr lang="en-US" altLang="ja-JP" dirty="0" smtClean="0"/>
+              <a:t> </a:t>
+            </a:r>
+          </a:p>
+          <a:p>
+            <a:r>
+              <a:rPr lang="ja-JP" altLang="en-US" dirty="0" smtClean="0"/>
+              <a:t>・赤ロックになって近接間合い→相手が格闘を振っている？</a:t>
+            </a:r>
+            <a:r>
+              <a:rPr lang="en-US" altLang="ja-JP" dirty="0" smtClean="0"/>
+              <a:t>YES</a:t>
+            </a:r>
+            <a:r>
+              <a:rPr lang="ja-JP" altLang="en-US" dirty="0" smtClean="0"/>
+              <a:t>なら前以外のステップ→格闘か前格闘</a:t>
+            </a:r>
+          </a:p>
+          <a:p>
+            <a:r>
+              <a:rPr lang="ja-JP" altLang="en-US" dirty="0" smtClean="0"/>
+              <a:t>								</a:t>
+            </a:r>
+            <a:r>
+              <a:rPr lang="en-US" altLang="ja-JP" dirty="0" smtClean="0"/>
+              <a:t>NO</a:t>
+            </a:r>
+            <a:r>
+              <a:rPr lang="ja-JP" altLang="en-US" dirty="0" smtClean="0"/>
+              <a:t>なら格闘か前格闘	→</a:t>
+            </a:r>
+          </a:p>
+          <a:p>
+            <a:r>
+              <a:rPr lang="ja-JP" altLang="en-US" dirty="0" smtClean="0"/>
+              <a:t>	・近接間合いを設定								→</a:t>
+            </a:r>
+            <a:r>
+              <a:rPr lang="en-US" altLang="ja-JP" dirty="0" smtClean="0"/>
+              <a:t>OK</a:t>
+            </a:r>
+          </a:p>
+          <a:p>
+            <a:r>
+              <a:rPr lang="en-US" altLang="ja-JP" dirty="0" smtClean="0"/>
+              <a:t>	</a:t>
+            </a:r>
+            <a:r>
+              <a:rPr lang="ja-JP" altLang="en-US" dirty="0" smtClean="0"/>
+              <a:t>・彼我の距離を</a:t>
+            </a:r>
+            <a:r>
+              <a:rPr lang="en-US" altLang="ja-JP" dirty="0" smtClean="0"/>
+              <a:t>X</a:t>
             </a:r>
             <a:r>
               <a:rPr lang="ja-JP" altLang="en-US" dirty="0" smtClean="0"/>
@@ -6256,129 +6410,42 @@
             </a:r>
             <a:r>
               <a:rPr lang="en-US" altLang="ja-JP" dirty="0" smtClean="0"/>
-              <a:t>Character</a:t>
-            </a:r>
-            <a:r>
-              <a:rPr lang="ja-JP" altLang="en-US" dirty="0" smtClean="0"/>
-              <a:t>（敵）に引っかかって</a:t>
+              <a:t>Z</a:t>
+            </a:r>
+            <a:r>
+              <a:rPr lang="ja-JP" altLang="en-US" dirty="0" smtClean="0"/>
+              <a:t>で測る						→</a:t>
             </a:r>
             <a:r>
               <a:rPr lang="en-US" altLang="ja-JP" dirty="0" smtClean="0"/>
-              <a:t>ground</a:t>
-            </a:r>
-            <a:r>
-              <a:rPr lang="ja-JP" altLang="en-US" dirty="0" smtClean="0"/>
-              <a:t>との距離が近い→そのまま再度飛行</a:t>
-            </a:r>
-          </a:p>
-          <a:p>
-            <a:r>
-              <a:rPr lang="ja-JP" altLang="en-US" dirty="0" smtClean="0"/>
-              <a:t>	・コライダが</a:t>
-            </a:r>
+              <a:t>OK</a:t>
+            </a:r>
+          </a:p>
+          <a:p>
             <a:r>
               <a:rPr lang="en-US" altLang="ja-JP" dirty="0" smtClean="0"/>
-              <a:t>ground</a:t>
-            </a:r>
-            <a:r>
-              <a:rPr lang="ja-JP" altLang="en-US" dirty="0" smtClean="0"/>
-              <a:t>と</a:t>
+              <a:t>	</a:t>
+            </a:r>
+            <a:r>
+              <a:rPr lang="ja-JP" altLang="en-US" dirty="0" smtClean="0"/>
+              <a:t>・通常格闘か前後特格の識別用距離を設定</a:t>
+            </a:r>
+          </a:p>
+          <a:p>
+            <a:r>
+              <a:rPr lang="ja-JP" altLang="en-US" dirty="0" smtClean="0"/>
+              <a:t>・赤ロックになって近接間合いで自分の真上か真下→前特格か後特格</a:t>
+            </a:r>
+          </a:p>
+          <a:p>
+            <a:r>
+              <a:rPr lang="ja-JP" altLang="en-US" dirty="0" smtClean="0"/>
+              <a:t>													→</a:t>
             </a:r>
             <a:r>
               <a:rPr lang="en-US" altLang="ja-JP" dirty="0" smtClean="0"/>
-              <a:t>Character</a:t>
-            </a:r>
-            <a:r>
-              <a:rPr lang="ja-JP" altLang="en-US" dirty="0" smtClean="0"/>
-              <a:t>（敵）に引っかかって敵との距離が近い→射撃開始</a:t>
-            </a:r>
-          </a:p>
-          <a:p>
-            <a:endParaRPr lang="ja-JP" altLang="en-US" dirty="0" smtClean="0"/>
-          </a:p>
-          <a:p>
-            <a:endParaRPr lang="ja-JP" altLang="en-US" dirty="0" smtClean="0"/>
-          </a:p>
-          <a:p>
-            <a:r>
-              <a:rPr lang="ja-JP" altLang="en-US" dirty="0" smtClean="0"/>
-              <a:t>ロックオン範囲なのにもかかわらず歩いてくる			→</a:t>
-            </a:r>
-          </a:p>
-          <a:p>
-            <a:r>
-              <a:rPr lang="ja-JP" altLang="en-US" dirty="0" smtClean="0"/>
-              <a:t>	・飛び越える→着地する→</a:t>
-            </a:r>
-            <a:r>
-              <a:rPr lang="en-US" altLang="ja-JP" dirty="0" smtClean="0"/>
-              <a:t>NORMAL_FALL→NORMAL_RISE3</a:t>
-            </a:r>
-            <a:r>
-              <a:rPr lang="ja-JP" altLang="en-US" dirty="0" smtClean="0"/>
-              <a:t>になる</a:t>
-            </a:r>
-          </a:p>
-          <a:p>
-            <a:r>
-              <a:rPr lang="ja-JP" altLang="en-US" dirty="0" smtClean="0"/>
-              <a:t>	・空中ダッシュ→壁にぶつかる→</a:t>
-            </a:r>
-            <a:r>
-              <a:rPr lang="en-US" altLang="ja-JP" dirty="0" smtClean="0"/>
-              <a:t>NORMAL_FALL→</a:t>
-            </a:r>
-            <a:r>
-              <a:rPr lang="ja-JP" altLang="en-US" dirty="0" smtClean="0"/>
-              <a:t>着陸後</a:t>
-            </a:r>
-            <a:r>
-              <a:rPr lang="en-US" altLang="ja-JP" dirty="0" smtClean="0"/>
-              <a:t>NORMAL_RISE3</a:t>
-            </a:r>
-            <a:r>
-              <a:rPr lang="ja-JP" altLang="en-US" dirty="0" smtClean="0"/>
-              <a:t>になる</a:t>
-            </a:r>
-          </a:p>
-          <a:p>
-            <a:r>
-              <a:rPr lang="ja-JP" altLang="en-US" dirty="0" smtClean="0"/>
-              <a:t>	・</a:t>
-            </a:r>
-            <a:r>
-              <a:rPr lang="en-US" altLang="ja-JP" dirty="0" smtClean="0"/>
-              <a:t>FALL</a:t>
-            </a:r>
-            <a:r>
-              <a:rPr lang="ja-JP" altLang="en-US" dirty="0" smtClean="0"/>
-              <a:t>中はレイキャストし、引っかからなければ</a:t>
-            </a:r>
-            <a:r>
-              <a:rPr lang="en-US" altLang="ja-JP" dirty="0" smtClean="0"/>
-              <a:t>NORMAL</a:t>
-            </a:r>
-            <a:r>
-              <a:rPr lang="ja-JP" altLang="en-US" dirty="0" smtClean="0"/>
-              <a:t>にする</a:t>
-            </a:r>
-          </a:p>
-          <a:p>
-            <a:r>
-              <a:rPr lang="ja-JP" altLang="en-US" dirty="0" smtClean="0"/>
-              <a:t>	・</a:t>
-            </a:r>
-            <a:r>
-              <a:rPr lang="en-US" altLang="ja-JP" dirty="0" smtClean="0"/>
-              <a:t>FALL→</a:t>
-            </a:r>
-            <a:r>
-              <a:rPr lang="ja-JP" altLang="en-US" dirty="0" smtClean="0"/>
-              <a:t>着地後も歩いてくる（再度飛び上がってくれない）→着地時にブースト回復していない→着地したら強制的にブースト全回復させる？→というか、着地したら確実に着地にするべき→暫定だがショット時にブーストを回復するようにした</a:t>
-            </a:r>
-          </a:p>
-          <a:p>
-            <a:endParaRPr kumimoji="1" lang="ja-JP" altLang="en-US" dirty="0"/>
+              <a:t>OK</a:t>
+            </a:r>
           </a:p>
         </p:txBody>
       </p:sp>
@@ -6409,43 +6476,265 @@
       </p:grpSpPr>
       <p:sp>
         <p:nvSpPr>
-          <p:cNvPr id="2" name="タイトル 1"/>
-          <p:cNvSpPr>
-            <a:spLocks noGrp="1"/>
-          </p:cNvSpPr>
-          <p:nvPr>
-            <p:ph type="title"/>
-          </p:nvPr>
-        </p:nvSpPr>
-        <p:spPr/>
-        <p:txBody>
-          <a:bodyPr/>
-          <a:lstStyle/>
-          <a:p>
-            <a:r>
-              <a:rPr kumimoji="1" lang="ja-JP" altLang="en-US" dirty="0" smtClean="0"/>
-              <a:t>分散時１（味方のみ）</a:t>
-            </a:r>
+          <p:cNvPr id="3" name="コンテンツ プレースホルダ 2"/>
+          <p:cNvSpPr>
+            <a:spLocks noGrp="1"/>
+          </p:cNvSpPr>
+          <p:nvPr>
+            <p:ph idx="1"/>
+          </p:nvPr>
+        </p:nvSpPr>
+        <p:spPr>
+          <a:xfrm>
+            <a:off x="838200" y="389965"/>
+            <a:ext cx="10515600" cy="5786998"/>
+          </a:xfrm>
+        </p:spPr>
+        <p:txBody>
+          <a:bodyPr>
+            <a:normAutofit fontScale="47500" lnSpcReduction="20000"/>
+          </a:bodyPr>
+          <a:lstStyle/>
+          <a:p>
+            <a:r>
+              <a:rPr lang="ja-JP" altLang="en-US" dirty="0" smtClean="0"/>
+              <a:t>・</a:t>
+            </a:r>
+            <a:r>
+              <a:rPr lang="en-US" altLang="ja-JP" dirty="0" smtClean="0"/>
+              <a:t>CPU</a:t>
+            </a:r>
+            <a:r>
+              <a:rPr lang="ja-JP" altLang="en-US" dirty="0" smtClean="0"/>
+              <a:t>専用のステップ機能</a:t>
+            </a:r>
+          </a:p>
+          <a:p>
+            <a:r>
+              <a:rPr lang="ja-JP" altLang="en-US" dirty="0" smtClean="0"/>
+              <a:t>・赤ロックになって近接間合いで相手が格闘を振っている→前以外のステップ</a:t>
+            </a:r>
+          </a:p>
+          <a:p>
+            <a:r>
+              <a:rPr lang="ja-JP" altLang="en-US" dirty="0" smtClean="0"/>
+              <a:t>	・魔獣のステップの移動距離が短すぎて躱せない	→</a:t>
+            </a:r>
+          </a:p>
+          <a:p>
+            <a:r>
+              <a:rPr lang="ja-JP" altLang="en-US" dirty="0" smtClean="0"/>
+              <a:t>	・格闘を食らうなどして一度ステップに入ると、それ以降の動きがステップになり魔獣本体が動かなくなる</a:t>
+            </a:r>
+          </a:p>
+          <a:p>
+            <a:r>
+              <a:rPr lang="ja-JP" altLang="en-US" dirty="0" smtClean="0"/>
+              <a:t>													→</a:t>
+            </a:r>
+            <a:r>
+              <a:rPr lang="en-US" altLang="ja-JP" dirty="0" smtClean="0"/>
+              <a:t>OK</a:t>
+            </a:r>
+            <a:r>
+              <a:rPr lang="ja-JP" altLang="en-US" dirty="0" smtClean="0"/>
+              <a:t>（一応）</a:t>
+            </a:r>
+          </a:p>
+          <a:p>
+            <a:r>
+              <a:rPr lang="ja-JP" altLang="en-US" dirty="0" smtClean="0"/>
+              <a:t>・赤ロックになって近接間合いで相手が格闘を振っていない→格闘か前格闘（ランダム）</a:t>
+            </a:r>
+          </a:p>
+          <a:p>
+            <a:r>
+              <a:rPr lang="ja-JP" altLang="en-US" dirty="0" smtClean="0"/>
+              <a:t>													→</a:t>
+            </a:r>
+            <a:r>
+              <a:rPr lang="en-US" altLang="ja-JP" dirty="0" smtClean="0"/>
+              <a:t>OK</a:t>
+            </a:r>
+          </a:p>
+          <a:p>
+            <a:r>
+              <a:rPr lang="ja-JP" altLang="en-US" dirty="0" smtClean="0"/>
+              <a:t>射撃攻撃ルーチン</a:t>
+            </a:r>
+          </a:p>
+          <a:p>
+            <a:r>
+              <a:rPr lang="ja-JP" altLang="en-US" dirty="0" smtClean="0"/>
+              <a:t>・赤ロックになって近接の間合い範囲外</a:t>
+            </a:r>
+          </a:p>
+          <a:p>
+            <a:r>
+              <a:rPr lang="ja-JP" altLang="en-US" dirty="0" smtClean="0"/>
+              <a:t>	・赤ロックと同じ長さのレイかコライダを飛ばす	→</a:t>
+            </a:r>
+            <a:r>
+              <a:rPr lang="en-US" altLang="ja-JP" dirty="0" smtClean="0"/>
+              <a:t>OK</a:t>
+            </a:r>
+          </a:p>
+          <a:p>
+            <a:r>
+              <a:rPr lang="en-US" altLang="ja-JP" dirty="0" smtClean="0"/>
+              <a:t>	</a:t>
+            </a:r>
+            <a:r>
+              <a:rPr lang="ja-JP" altLang="en-US" dirty="0" smtClean="0"/>
+              <a:t>・コライダが</a:t>
+            </a:r>
+            <a:r>
+              <a:rPr lang="en-US" altLang="ja-JP" dirty="0" smtClean="0"/>
+              <a:t>ground</a:t>
+            </a:r>
+            <a:r>
+              <a:rPr lang="ja-JP" altLang="en-US" dirty="0" smtClean="0"/>
+              <a:t>に引っかかっていない→射撃開始</a:t>
+            </a:r>
+          </a:p>
+          <a:p>
+            <a:r>
+              <a:rPr lang="ja-JP" altLang="en-US" dirty="0" smtClean="0"/>
+              <a:t>	・コライダが</a:t>
+            </a:r>
+            <a:r>
+              <a:rPr lang="en-US" altLang="ja-JP" dirty="0" smtClean="0"/>
+              <a:t>ground</a:t>
+            </a:r>
+            <a:r>
+              <a:rPr lang="ja-JP" altLang="en-US" dirty="0" smtClean="0"/>
+              <a:t>と</a:t>
+            </a:r>
+            <a:r>
+              <a:rPr lang="en-US" altLang="ja-JP" dirty="0" smtClean="0"/>
+              <a:t>Character</a:t>
+            </a:r>
+            <a:r>
+              <a:rPr lang="ja-JP" altLang="en-US" dirty="0" smtClean="0"/>
+              <a:t>（敵）に引っかかって</a:t>
+            </a:r>
+            <a:r>
+              <a:rPr lang="en-US" altLang="ja-JP" dirty="0" smtClean="0"/>
+              <a:t>ground</a:t>
+            </a:r>
+            <a:r>
+              <a:rPr lang="ja-JP" altLang="en-US" dirty="0" smtClean="0"/>
+              <a:t>との距離が近い→そのまま再度飛行</a:t>
+            </a:r>
+          </a:p>
+          <a:p>
+            <a:r>
+              <a:rPr lang="ja-JP" altLang="en-US" dirty="0" smtClean="0"/>
+              <a:t>	・コライダが</a:t>
+            </a:r>
+            <a:r>
+              <a:rPr lang="en-US" altLang="ja-JP" dirty="0" smtClean="0"/>
+              <a:t>ground</a:t>
+            </a:r>
+            <a:r>
+              <a:rPr lang="ja-JP" altLang="en-US" dirty="0" smtClean="0"/>
+              <a:t>と</a:t>
+            </a:r>
+            <a:r>
+              <a:rPr lang="en-US" altLang="ja-JP" dirty="0" smtClean="0"/>
+              <a:t>Character</a:t>
+            </a:r>
+            <a:r>
+              <a:rPr lang="ja-JP" altLang="en-US" dirty="0" smtClean="0"/>
+              <a:t>（敵）に引っかかって敵との距離が近い→射撃開始</a:t>
+            </a:r>
+          </a:p>
+          <a:p>
+            <a:endParaRPr lang="ja-JP" altLang="en-US" dirty="0" smtClean="0"/>
+          </a:p>
+          <a:p>
+            <a:endParaRPr lang="ja-JP" altLang="en-US" dirty="0" smtClean="0"/>
+          </a:p>
+          <a:p>
+            <a:r>
+              <a:rPr lang="ja-JP" altLang="en-US" dirty="0" smtClean="0"/>
+              <a:t>ロックオン範囲なのにもかかわらず歩いてくる			→</a:t>
+            </a:r>
+          </a:p>
+          <a:p>
+            <a:r>
+              <a:rPr lang="ja-JP" altLang="en-US" dirty="0" smtClean="0"/>
+              <a:t>	・飛び越える→着地する→</a:t>
+            </a:r>
+            <a:r>
+              <a:rPr lang="en-US" altLang="ja-JP" dirty="0" smtClean="0"/>
+              <a:t>NORMAL_FALL→NORMAL_RISE3</a:t>
+            </a:r>
+            <a:r>
+              <a:rPr lang="ja-JP" altLang="en-US" dirty="0" smtClean="0"/>
+              <a:t>になる</a:t>
+            </a:r>
+          </a:p>
+          <a:p>
+            <a:r>
+              <a:rPr lang="ja-JP" altLang="en-US" dirty="0" smtClean="0"/>
+              <a:t>	・空中ダッシュ→壁にぶつかる→</a:t>
+            </a:r>
+            <a:r>
+              <a:rPr lang="en-US" altLang="ja-JP" dirty="0" smtClean="0"/>
+              <a:t>NORMAL_FALL→</a:t>
+            </a:r>
+            <a:r>
+              <a:rPr lang="ja-JP" altLang="en-US" dirty="0" smtClean="0"/>
+              <a:t>着陸後</a:t>
+            </a:r>
+            <a:r>
+              <a:rPr lang="en-US" altLang="ja-JP" dirty="0" smtClean="0"/>
+              <a:t>NORMAL_RISE3</a:t>
+            </a:r>
+            <a:r>
+              <a:rPr lang="ja-JP" altLang="en-US" dirty="0" smtClean="0"/>
+              <a:t>になる</a:t>
+            </a:r>
+          </a:p>
+          <a:p>
+            <a:r>
+              <a:rPr lang="ja-JP" altLang="en-US" dirty="0" smtClean="0"/>
+              <a:t>	・</a:t>
+            </a:r>
+            <a:r>
+              <a:rPr lang="en-US" altLang="ja-JP" dirty="0" smtClean="0"/>
+              <a:t>FALL</a:t>
+            </a:r>
+            <a:r>
+              <a:rPr lang="ja-JP" altLang="en-US" dirty="0" smtClean="0"/>
+              <a:t>中はレイキャストし、引っかからなければ</a:t>
+            </a:r>
+            <a:r>
+              <a:rPr lang="en-US" altLang="ja-JP" dirty="0" smtClean="0"/>
+              <a:t>NORMAL</a:t>
+            </a:r>
+            <a:r>
+              <a:rPr lang="ja-JP" altLang="en-US" dirty="0" smtClean="0"/>
+              <a:t>にする</a:t>
+            </a:r>
+          </a:p>
+          <a:p>
+            <a:r>
+              <a:rPr lang="ja-JP" altLang="en-US" dirty="0" smtClean="0"/>
+              <a:t>	・</a:t>
+            </a:r>
+            <a:r>
+              <a:rPr lang="en-US" altLang="ja-JP" dirty="0" smtClean="0"/>
+              <a:t>FALL→</a:t>
+            </a:r>
+            <a:r>
+              <a:rPr lang="ja-JP" altLang="en-US" dirty="0" smtClean="0"/>
+              <a:t>着地後も歩いてくる（再度飛び上がってくれない）→着地時にブースト回復していない→着地したら強制的にブースト全回復させる？→というか、着地したら確実に着地にするべき→暫定だがショット時にブーストを回復するようにした</a:t>
+            </a:r>
+          </a:p>
+          <a:p>
             <a:endParaRPr kumimoji="1" lang="ja-JP" altLang="en-US" dirty="0"/>
-          </a:p>
-        </p:txBody>
-      </p:sp>
-      <p:sp>
-        <p:nvSpPr>
-          <p:cNvPr id="3" name="コンテンツ プレースホルダ 2"/>
-          <p:cNvSpPr>
-            <a:spLocks noGrp="1"/>
-          </p:cNvSpPr>
-          <p:nvPr>
-            <p:ph idx="1"/>
-          </p:nvPr>
-        </p:nvSpPr>
-        <p:spPr/>
-        <p:txBody>
-          <a:bodyPr/>
-          <a:lstStyle/>
-          <a:p>
-            <a:endParaRPr kumimoji="1" lang="ja-JP" altLang="en-US"/>
           </a:p>
         </p:txBody>
       </p:sp>
@@ -6712,7 +7001,7 @@
   <a:extraClrSchemeLst/>
   <a:extLst>
     <a:ext uri="{05A4C25C-085E-4340-85A3-A5531E510DB2}">
-      <thm15:themeFamily xmlns="" xmlns:thm15="http://schemas.microsoft.com/office/thememl/2012/main" name="Office Theme" id="{62F939B6-93AF-4DB8-9C6B-D6C7DFDC589F}" vid="{4A3C46E8-61CC-4603-A589-7422A47A8E4A}"/>
+      <thm15:themeFamily xmlns:thm15="http://schemas.microsoft.com/office/thememl/2012/main" name="Office Theme" id="{62F939B6-93AF-4DB8-9C6B-D6C7DFDC589F}" vid="{4A3C46E8-61CC-4603-A589-7422A47A8E4A}"/>
     </a:ext>
   </a:extLst>
 </a:theme>
